--- a/Presentation/TSA_Coca Beans Future Prices.pptx
+++ b/Presentation/TSA_Coca Beans Future Prices.pptx
@@ -4,6 +4,9 @@
   <p:sldMasterIdLst>
     <p:sldMasterId id="2147483648" r:id="rId1"/>
   </p:sldMasterIdLst>
+  <p:notesMasterIdLst>
+    <p:notesMasterId r:id="rId11"/>
+  </p:notesMasterIdLst>
   <p:sldIdLst>
     <p:sldId id="277" r:id="rId2"/>
     <p:sldId id="282" r:id="rId3"/>
@@ -126,42 +129,6 @@
 </p188:authorLst>
 </file>
 
-<file path=ppt/comments/modernComment_11A_5A698649.xml><?xml version="1.0" encoding="utf-8"?>
-<p188:cmLst xmlns:a="http://schemas.openxmlformats.org/drawingml/2006/main" xmlns:r="http://schemas.openxmlformats.org/officeDocument/2006/relationships" xmlns:p188="http://schemas.microsoft.com/office/powerpoint/2018/8/main">
-  <p188:cm id="{E30BE9FA-582D-456A-BAF1-A736029233E6}" authorId="{0DD9918E-17DA-FBD4-204F-14343233C788}" created="2022-11-04T17:53:10.432">
-    <ac:deMkLst xmlns:ac="http://schemas.microsoft.com/office/drawing/2013/main/command">
-      <pc:docMk xmlns:pc="http://schemas.microsoft.com/office/powerpoint/2013/main/command"/>
-      <pc:sldMk xmlns:pc="http://schemas.microsoft.com/office/powerpoint/2013/main/command" cId="1516865097" sldId="282"/>
-      <ac:spMk id="6" creationId="{9971A5F4-742A-4E81-B7FF-96C4AAF0BC8B}"/>
-    </ac:deMkLst>
-    <p188:replyLst>
-      <p188:reply id="{4FD035C2-1A7D-49AE-BF70-109A7DB3A137}" authorId="{0DD9918E-17DA-FBD4-204F-14343233C788}" created="2022-11-04T17:53:12.920">
-        <p188:txBody>
-          <a:bodyPr/>
-          <a:lstStyle/>
-          <a:p>
-            <a:r>
-              <a:rPr lang="en-US"/>
-              <a:t>https://www.cftc.gov/LearnAndProtect/AdvisoriesAndArticles/FuturesMarketBasics/index.htm</a:t>
-            </a:r>
-          </a:p>
-        </p188:txBody>
-      </p188:reply>
-    </p188:replyLst>
-    <p188:txBody>
-      <a:bodyPr/>
-      <a:lstStyle/>
-      <a:p>
-        <a:r>
-          <a:rPr lang="en-US"/>
-          <a:t>Edit phrasing</a:t>
-        </a:r>
-      </a:p>
-    </p188:txBody>
-  </p188:cm>
-</p188:cmLst>
-</file>
-
 <file path=ppt/diagrams/colors1.xml><?xml version="1.0" encoding="utf-8"?>
 <dgm:colorsDef xmlns:dgm="http://schemas.openxmlformats.org/drawingml/2006/diagram" xmlns:a="http://schemas.openxmlformats.org/drawingml/2006/main" uniqueId="urn:microsoft.com/office/officeart/2005/8/colors/colorful5">
   <dgm:title val=""/>
@@ -1730,7 +1697,7 @@
 <dgm:dataModel xmlns:dgm="http://schemas.openxmlformats.org/drawingml/2006/diagram" xmlns:a="http://schemas.openxmlformats.org/drawingml/2006/main">
   <dgm:ptLst>
     <dgm:pt modelId="{38F1C00F-54FB-43F4-914C-90F7011C4467}" type="doc">
-      <dgm:prSet loTypeId="urn:microsoft.com/office/officeart/2005/8/layout/hList1" loCatId="list" qsTypeId="urn:microsoft.com/office/officeart/2005/8/quickstyle/simple1" qsCatId="simple" csTypeId="urn:microsoft.com/office/officeart/2005/8/colors/colorful5" csCatId="colorful" phldr="1"/>
+      <dgm:prSet loTypeId="urn:microsoft.com/office/officeart/2005/8/layout/default" loCatId="list" qsTypeId="urn:microsoft.com/office/officeart/2005/8/quickstyle/simple1" qsCatId="simple" csTypeId="urn:microsoft.com/office/officeart/2005/8/colors/colorful5" csCatId="colorful" phldr="1"/>
       <dgm:spPr/>
       <dgm:t>
         <a:bodyPr/>
@@ -1747,6 +1714,7 @@
         <a:bodyPr/>
         <a:lstStyle/>
         <a:p>
+          <a:pPr algn="ctr"/>
           <a:r>
             <a:rPr lang="en-US" b="1" dirty="0"/>
             <a:t>Data Source</a:t>
@@ -1783,9 +1751,10 @@
         <a:bodyPr/>
         <a:lstStyle/>
         <a:p>
+          <a:pPr algn="l"/>
           <a:r>
             <a:rPr lang="en-US" b="1" dirty="0"/>
-            <a:t>Cocoa Bean Traded:</a:t>
+            <a:t>Cocoa Bean Traded on:</a:t>
           </a:r>
           <a:r>
             <a:rPr lang="en-US" b="0" dirty="0"/>
@@ -1824,6 +1793,7 @@
         <a:bodyPr/>
         <a:lstStyle/>
         <a:p>
+          <a:pPr algn="l"/>
           <a:r>
             <a:rPr lang="en-US" b="1" dirty="0"/>
             <a:t>Units:</a:t>
@@ -1869,6 +1839,7 @@
         <a:bodyPr/>
         <a:lstStyle/>
         <a:p>
+          <a:pPr algn="l"/>
           <a:r>
             <a:rPr lang="en-US" b="1" dirty="0"/>
             <a:t>Date:</a:t>
@@ -1910,6 +1881,7 @@
         <a:bodyPr/>
         <a:lstStyle/>
         <a:p>
+          <a:pPr algn="l"/>
           <a:r>
             <a:rPr lang="en-US" b="1" dirty="0"/>
             <a:t>Data Source:</a:t>
@@ -1920,7 +1892,7 @@
           </a:r>
           <a:r>
             <a:rPr lang="en-US" b="0" baseline="30000" dirty="0"/>
-            <a:t>10</a:t>
+            <a:t>6</a:t>
           </a:r>
           <a:endParaRPr lang="en-US" b="1" baseline="30000" dirty="0"/>
         </a:p>
@@ -1955,6 +1927,7 @@
         <a:bodyPr/>
         <a:lstStyle/>
         <a:p>
+          <a:pPr algn="l"/>
           <a:r>
             <a:rPr lang="en-US" b="0" dirty="0"/>
             <a:t>Aggregated to monthly averages</a:t>
@@ -1991,6 +1964,7 @@
         <a:bodyPr/>
         <a:lstStyle/>
         <a:p>
+          <a:pPr algn="ctr"/>
           <a:r>
             <a:rPr lang="en-US" b="1" dirty="0"/>
             <a:t>Objective</a:t>
@@ -2027,6 +2001,7 @@
         <a:bodyPr/>
         <a:lstStyle/>
         <a:p>
+          <a:pPr algn="l"/>
           <a:r>
             <a:rPr lang="en-US" b="0" dirty="0"/>
             <a:t>Can future prices of cocoa beans on the ICE London contract market be forecasted between 2010 &amp; 2019? </a:t>
@@ -2056,58 +2031,29 @@
         </a:p>
       </dgm:t>
     </dgm:pt>
-    <dgm:pt modelId="{4225BB4F-88AE-46F1-B338-B181F4E177FE}" type="pres">
-      <dgm:prSet presAssocID="{38F1C00F-54FB-43F4-914C-90F7011C4467}" presName="Name0" presStyleCnt="0">
+    <dgm:pt modelId="{0BF2AAB6-DCC0-45B3-A967-129A17D586A6}" type="pres">
+      <dgm:prSet presAssocID="{38F1C00F-54FB-43F4-914C-90F7011C4467}" presName="diagram" presStyleCnt="0">
         <dgm:presLayoutVars>
           <dgm:dir/>
-          <dgm:animLvl val="lvl"/>
           <dgm:resizeHandles val="exact"/>
         </dgm:presLayoutVars>
       </dgm:prSet>
       <dgm:spPr/>
     </dgm:pt>
-    <dgm:pt modelId="{F788D225-4D64-4098-BC77-DF12C2DAF7E1}" type="pres">
-      <dgm:prSet presAssocID="{68D3624F-C067-4418-8C09-6AE26D1DC4C5}" presName="composite" presStyleCnt="0"/>
-      <dgm:spPr/>
-    </dgm:pt>
-    <dgm:pt modelId="{4563D30A-9D3D-410F-9970-EE9020CE3596}" type="pres">
-      <dgm:prSet presAssocID="{68D3624F-C067-4418-8C09-6AE26D1DC4C5}" presName="parTx" presStyleLbl="alignNode1" presStyleIdx="0" presStyleCnt="2">
-        <dgm:presLayoutVars>
-          <dgm:chMax val="0"/>
-          <dgm:chPref val="0"/>
-          <dgm:bulletEnabled val="1"/>
-        </dgm:presLayoutVars>
-      </dgm:prSet>
-      <dgm:spPr/>
-    </dgm:pt>
-    <dgm:pt modelId="{68DA6FE8-7A1A-40CC-9F19-EA57BA9AD270}" type="pres">
-      <dgm:prSet presAssocID="{68D3624F-C067-4418-8C09-6AE26D1DC4C5}" presName="desTx" presStyleLbl="alignAccFollowNode1" presStyleIdx="0" presStyleCnt="2">
+    <dgm:pt modelId="{5BFE017F-604D-4965-858A-04563A7ACAA5}" type="pres">
+      <dgm:prSet presAssocID="{68D3624F-C067-4418-8C09-6AE26D1DC4C5}" presName="node" presStyleLbl="node1" presStyleIdx="0" presStyleCnt="2">
         <dgm:presLayoutVars>
           <dgm:bulletEnabled val="1"/>
         </dgm:presLayoutVars>
       </dgm:prSet>
       <dgm:spPr/>
     </dgm:pt>
-    <dgm:pt modelId="{6DF75741-0304-4291-821C-252255A5433D}" type="pres">
-      <dgm:prSet presAssocID="{25CBF027-47D7-4381-B3AB-6E5AB2A34064}" presName="space" presStyleCnt="0"/>
+    <dgm:pt modelId="{47EFA6D7-02A9-4E23-8F78-61B35D53BA45}" type="pres">
+      <dgm:prSet presAssocID="{25CBF027-47D7-4381-B3AB-6E5AB2A34064}" presName="sibTrans" presStyleCnt="0"/>
       <dgm:spPr/>
     </dgm:pt>
-    <dgm:pt modelId="{F2CE5CF9-D3AC-4456-8F41-36F1C76431F3}" type="pres">
-      <dgm:prSet presAssocID="{4B7E14CF-13CE-47DD-959E-DD80AF8FEABB}" presName="composite" presStyleCnt="0"/>
-      <dgm:spPr/>
-    </dgm:pt>
-    <dgm:pt modelId="{A1D2B774-8174-48E5-9C13-1F25CE40434F}" type="pres">
-      <dgm:prSet presAssocID="{4B7E14CF-13CE-47DD-959E-DD80AF8FEABB}" presName="parTx" presStyleLbl="alignNode1" presStyleIdx="1" presStyleCnt="2">
-        <dgm:presLayoutVars>
-          <dgm:chMax val="0"/>
-          <dgm:chPref val="0"/>
-          <dgm:bulletEnabled val="1"/>
-        </dgm:presLayoutVars>
-      </dgm:prSet>
-      <dgm:spPr/>
-    </dgm:pt>
-    <dgm:pt modelId="{92198294-70EE-402A-8097-1304951161BD}" type="pres">
-      <dgm:prSet presAssocID="{4B7E14CF-13CE-47DD-959E-DD80AF8FEABB}" presName="desTx" presStyleLbl="alignAccFollowNode1" presStyleIdx="1" presStyleCnt="2">
+    <dgm:pt modelId="{520DFB2D-1D01-4362-BC76-55C30397E03B}" type="pres">
+      <dgm:prSet presAssocID="{4B7E14CF-13CE-47DD-959E-DD80AF8FEABB}" presName="node" presStyleLbl="node1" presStyleIdx="1" presStyleCnt="2">
         <dgm:presLayoutVars>
           <dgm:bulletEnabled val="1"/>
         </dgm:presLayoutVars>
@@ -2116,30 +2062,26 @@
     </dgm:pt>
   </dgm:ptLst>
   <dgm:cxnLst>
-    <dgm:cxn modelId="{7D70CA06-3371-4B63-A880-FC4482BD5016}" type="presOf" srcId="{4B7E14CF-13CE-47DD-959E-DD80AF8FEABB}" destId="{A1D2B774-8174-48E5-9C13-1F25CE40434F}" srcOrd="0" destOrd="0" presId="urn:microsoft.com/office/officeart/2005/8/layout/hList1"/>
+    <dgm:cxn modelId="{2CF59700-C828-4164-B94F-4292CAC70989}" type="presOf" srcId="{DFB2FFB2-E187-4691-911E-A2B34118F416}" destId="{520DFB2D-1D01-4362-BC76-55C30397E03B}" srcOrd="0" destOrd="5" presId="urn:microsoft.com/office/officeart/2005/8/layout/default"/>
     <dgm:cxn modelId="{78258E0B-D012-4CF8-A28B-7815A0879093}" srcId="{4B7E14CF-13CE-47DD-959E-DD80AF8FEABB}" destId="{7E2BC65B-BC43-49AB-A6F3-30DE3FD970BC}" srcOrd="0" destOrd="0" parTransId="{0BD2F49B-34AF-41DB-AAC8-DB727EB64216}" sibTransId="{261FBC2B-8668-4FA3-A1AC-C62F0781E589}"/>
+    <dgm:cxn modelId="{DFA4C30C-31A4-4DEB-B9B4-67CAB3ECBA49}" type="presOf" srcId="{69C3E050-0E8D-42FA-919C-422E716FCCAB}" destId="{520DFB2D-1D01-4362-BC76-55C30397E03B}" srcOrd="0" destOrd="3" presId="urn:microsoft.com/office/officeart/2005/8/layout/default"/>
     <dgm:cxn modelId="{B5E0BB18-2AE4-4210-A21D-BDB17AC400D7}" srcId="{38F1C00F-54FB-43F4-914C-90F7011C4467}" destId="{68D3624F-C067-4418-8C09-6AE26D1DC4C5}" srcOrd="0" destOrd="0" parTransId="{F78A6E46-42EC-47F0-9CDD-B7945E70266C}" sibTransId="{25CBF027-47D7-4381-B3AB-6E5AB2A34064}"/>
     <dgm:cxn modelId="{3773851E-4C33-443B-A94D-E26880D4B33E}" srcId="{38F1C00F-54FB-43F4-914C-90F7011C4467}" destId="{4B7E14CF-13CE-47DD-959E-DD80AF8FEABB}" srcOrd="1" destOrd="0" parTransId="{364A7F53-58A9-41E6-A0C0-7424F4777743}" sibTransId="{E3C53F6E-8AAC-4783-8495-9EA0C0B1ED9D}"/>
-    <dgm:cxn modelId="{BB207437-76A3-4CE1-8BFD-F0433F26460C}" type="presOf" srcId="{7E2BC65B-BC43-49AB-A6F3-30DE3FD970BC}" destId="{92198294-70EE-402A-8097-1304951161BD}" srcOrd="0" destOrd="0" presId="urn:microsoft.com/office/officeart/2005/8/layout/hList1"/>
+    <dgm:cxn modelId="{A0DA5221-7255-41DD-9B9E-E8E543BB99FB}" type="presOf" srcId="{38F1C00F-54FB-43F4-914C-90F7011C4467}" destId="{0BF2AAB6-DCC0-45B3-A967-129A17D586A6}" srcOrd="0" destOrd="0" presId="urn:microsoft.com/office/officeart/2005/8/layout/default"/>
+    <dgm:cxn modelId="{838C502B-2DA2-4AA8-86CD-5E196DC251FA}" type="presOf" srcId="{7E2BC65B-BC43-49AB-A6F3-30DE3FD970BC}" destId="{520DFB2D-1D01-4362-BC76-55C30397E03B}" srcOrd="0" destOrd="1" presId="urn:microsoft.com/office/officeart/2005/8/layout/default"/>
+    <dgm:cxn modelId="{F01CF639-D1DB-4384-B08D-E917473A8303}" type="presOf" srcId="{68D3624F-C067-4418-8C09-6AE26D1DC4C5}" destId="{5BFE017F-604D-4965-858A-04563A7ACAA5}" srcOrd="0" destOrd="0" presId="urn:microsoft.com/office/officeart/2005/8/layout/default"/>
     <dgm:cxn modelId="{E192613F-0FD9-4D5D-B14B-97AABB06925A}" srcId="{4B7E14CF-13CE-47DD-959E-DD80AF8FEABB}" destId="{AFAC1970-65CB-4EFE-89CB-C703174E8D87}" srcOrd="1" destOrd="0" parTransId="{2A5BA164-3201-44E4-8AA0-9A40F2C85007}" sibTransId="{58549369-83B2-4392-8BCE-B1106F13D942}"/>
     <dgm:cxn modelId="{395E2D63-BD76-43FC-B119-DCA0270D12B8}" srcId="{4B7E14CF-13CE-47DD-959E-DD80AF8FEABB}" destId="{69C3E050-0E8D-42FA-919C-422E716FCCAB}" srcOrd="2" destOrd="0" parTransId="{8BEFFC9D-57EE-4E7C-A44C-9B98BE3B82E9}" sibTransId="{80284FC9-3CD4-4351-8718-D44D335DA73C}"/>
-    <dgm:cxn modelId="{37882F55-307B-4F5E-B0B4-B9C8E1DFD585}" type="presOf" srcId="{5962531E-81AC-4861-AB1E-051968BF72CF}" destId="{68DA6FE8-7A1A-40CC-9F19-EA57BA9AD270}" srcOrd="0" destOrd="0" presId="urn:microsoft.com/office/officeart/2005/8/layout/hList1"/>
+    <dgm:cxn modelId="{5DD07D66-01BC-451F-926E-7A7519A86CD0}" type="presOf" srcId="{5962531E-81AC-4861-AB1E-051968BF72CF}" destId="{5BFE017F-604D-4965-858A-04563A7ACAA5}" srcOrd="0" destOrd="1" presId="urn:microsoft.com/office/officeart/2005/8/layout/default"/>
+    <dgm:cxn modelId="{8393336C-7F2E-4E4A-855C-C161B90DBBD2}" type="presOf" srcId="{8320CB79-485F-43A9-BAA2-307E323F9D6C}" destId="{520DFB2D-1D01-4362-BC76-55C30397E03B}" srcOrd="0" destOrd="4" presId="urn:microsoft.com/office/officeart/2005/8/layout/default"/>
+    <dgm:cxn modelId="{8B523381-1927-4495-86B2-768386016BDA}" type="presOf" srcId="{4B7E14CF-13CE-47DD-959E-DD80AF8FEABB}" destId="{520DFB2D-1D01-4362-BC76-55C30397E03B}" srcOrd="0" destOrd="0" presId="urn:microsoft.com/office/officeart/2005/8/layout/default"/>
     <dgm:cxn modelId="{16E3759E-0A69-402F-9F55-FCC77B546B88}" srcId="{69C3E050-0E8D-42FA-919C-422E716FCCAB}" destId="{8320CB79-485F-43A9-BAA2-307E323F9D6C}" srcOrd="0" destOrd="0" parTransId="{1AD1F037-787B-49F7-BE00-BD783939A2D4}" sibTransId="{D833BC6F-9D51-426F-8CE9-1E3F353CD434}"/>
+    <dgm:cxn modelId="{87B47FA0-B165-45AF-A98A-926F99BBD531}" type="presOf" srcId="{AFAC1970-65CB-4EFE-89CB-C703174E8D87}" destId="{520DFB2D-1D01-4362-BC76-55C30397E03B}" srcOrd="0" destOrd="2" presId="urn:microsoft.com/office/officeart/2005/8/layout/default"/>
     <dgm:cxn modelId="{0BCE70AB-BAA8-4ADA-80A6-4E5E39049E05}" srcId="{4B7E14CF-13CE-47DD-959E-DD80AF8FEABB}" destId="{DFB2FFB2-E187-4691-911E-A2B34118F416}" srcOrd="3" destOrd="0" parTransId="{CF903C32-B25A-4AAD-95F6-66103D3E15DE}" sibTransId="{E334BCE1-4B6E-49DE-860E-7EDDFC936CCC}"/>
-    <dgm:cxn modelId="{0CA981BA-0961-4F99-B86C-C5B85A05FA51}" type="presOf" srcId="{38F1C00F-54FB-43F4-914C-90F7011C4467}" destId="{4225BB4F-88AE-46F1-B338-B181F4E177FE}" srcOrd="0" destOrd="0" presId="urn:microsoft.com/office/officeart/2005/8/layout/hList1"/>
-    <dgm:cxn modelId="{009A84BD-090F-433B-A6B4-1FC778B40ED9}" type="presOf" srcId="{69C3E050-0E8D-42FA-919C-422E716FCCAB}" destId="{92198294-70EE-402A-8097-1304951161BD}" srcOrd="0" destOrd="2" presId="urn:microsoft.com/office/officeart/2005/8/layout/hList1"/>
-    <dgm:cxn modelId="{DBDC74BF-050C-41CF-A13D-66290BB4B608}" type="presOf" srcId="{8320CB79-485F-43A9-BAA2-307E323F9D6C}" destId="{92198294-70EE-402A-8097-1304951161BD}" srcOrd="0" destOrd="3" presId="urn:microsoft.com/office/officeart/2005/8/layout/hList1"/>
-    <dgm:cxn modelId="{F506A3C2-7CA9-43BE-84DE-E1462726F426}" type="presOf" srcId="{AFAC1970-65CB-4EFE-89CB-C703174E8D87}" destId="{92198294-70EE-402A-8097-1304951161BD}" srcOrd="0" destOrd="1" presId="urn:microsoft.com/office/officeart/2005/8/layout/hList1"/>
     <dgm:cxn modelId="{C7C038C7-E42F-4864-BBFB-C3284396F2C4}" srcId="{68D3624F-C067-4418-8C09-6AE26D1DC4C5}" destId="{5962531E-81AC-4861-AB1E-051968BF72CF}" srcOrd="0" destOrd="0" parTransId="{D3686726-5C2A-4F67-B9B8-9C8CAEAEC2E3}" sibTransId="{D87C75D5-C12B-42FE-BB4B-AD4EDE899D7F}"/>
-    <dgm:cxn modelId="{B2D646D3-C36F-4E43-B39C-5FCE80F4C1E3}" type="presOf" srcId="{68D3624F-C067-4418-8C09-6AE26D1DC4C5}" destId="{4563D30A-9D3D-410F-9970-EE9020CE3596}" srcOrd="0" destOrd="0" presId="urn:microsoft.com/office/officeart/2005/8/layout/hList1"/>
-    <dgm:cxn modelId="{67ED02E5-3210-4383-B446-25A442E88734}" type="presOf" srcId="{DFB2FFB2-E187-4691-911E-A2B34118F416}" destId="{92198294-70EE-402A-8097-1304951161BD}" srcOrd="0" destOrd="4" presId="urn:microsoft.com/office/officeart/2005/8/layout/hList1"/>
-    <dgm:cxn modelId="{D8450DEF-AC3D-4D87-9CB1-3EF3272A039D}" type="presParOf" srcId="{4225BB4F-88AE-46F1-B338-B181F4E177FE}" destId="{F788D225-4D64-4098-BC77-DF12C2DAF7E1}" srcOrd="0" destOrd="0" presId="urn:microsoft.com/office/officeart/2005/8/layout/hList1"/>
-    <dgm:cxn modelId="{B0303C47-F671-4D7D-B90C-6DD15D0E3DA1}" type="presParOf" srcId="{F788D225-4D64-4098-BC77-DF12C2DAF7E1}" destId="{4563D30A-9D3D-410F-9970-EE9020CE3596}" srcOrd="0" destOrd="0" presId="urn:microsoft.com/office/officeart/2005/8/layout/hList1"/>
-    <dgm:cxn modelId="{6BC2DA7D-0C5B-44B0-9355-8DAAC74B6EA8}" type="presParOf" srcId="{F788D225-4D64-4098-BC77-DF12C2DAF7E1}" destId="{68DA6FE8-7A1A-40CC-9F19-EA57BA9AD270}" srcOrd="1" destOrd="0" presId="urn:microsoft.com/office/officeart/2005/8/layout/hList1"/>
-    <dgm:cxn modelId="{47C4DFF5-AD49-4C63-B4D1-9F9C43482F12}" type="presParOf" srcId="{4225BB4F-88AE-46F1-B338-B181F4E177FE}" destId="{6DF75741-0304-4291-821C-252255A5433D}" srcOrd="1" destOrd="0" presId="urn:microsoft.com/office/officeart/2005/8/layout/hList1"/>
-    <dgm:cxn modelId="{D69A31B0-B51D-4445-B7A9-FB6F65513067}" type="presParOf" srcId="{4225BB4F-88AE-46F1-B338-B181F4E177FE}" destId="{F2CE5CF9-D3AC-4456-8F41-36F1C76431F3}" srcOrd="2" destOrd="0" presId="urn:microsoft.com/office/officeart/2005/8/layout/hList1"/>
-    <dgm:cxn modelId="{80EF1517-A37C-439D-9BF1-CA2CEE26872D}" type="presParOf" srcId="{F2CE5CF9-D3AC-4456-8F41-36F1C76431F3}" destId="{A1D2B774-8174-48E5-9C13-1F25CE40434F}" srcOrd="0" destOrd="0" presId="urn:microsoft.com/office/officeart/2005/8/layout/hList1"/>
-    <dgm:cxn modelId="{980BE481-69E9-4FA2-BC5D-E565CE5C3C28}" type="presParOf" srcId="{F2CE5CF9-D3AC-4456-8F41-36F1C76431F3}" destId="{92198294-70EE-402A-8097-1304951161BD}" srcOrd="1" destOrd="0" presId="urn:microsoft.com/office/officeart/2005/8/layout/hList1"/>
+    <dgm:cxn modelId="{7B4384E0-5F8B-454A-8E10-E85072D84CE6}" type="presParOf" srcId="{0BF2AAB6-DCC0-45B3-A967-129A17D586A6}" destId="{5BFE017F-604D-4965-858A-04563A7ACAA5}" srcOrd="0" destOrd="0" presId="urn:microsoft.com/office/officeart/2005/8/layout/default"/>
+    <dgm:cxn modelId="{E8BF94C1-DD65-4384-AB30-B84E86655B92}" type="presParOf" srcId="{0BF2AAB6-DCC0-45B3-A967-129A17D586A6}" destId="{47EFA6D7-02A9-4E23-8F78-61B35D53BA45}" srcOrd="1" destOrd="0" presId="urn:microsoft.com/office/officeart/2005/8/layout/default"/>
+    <dgm:cxn modelId="{39D1AB50-E847-4C19-97F1-94C12F5DCE14}" type="presParOf" srcId="{0BF2AAB6-DCC0-45B3-A967-129A17D586A6}" destId="{520DFB2D-1D01-4362-BC76-55C30397E03B}" srcOrd="2" destOrd="0" presId="urn:microsoft.com/office/officeart/2005/8/layout/default"/>
   </dgm:cxnLst>
   <dgm:bg/>
   <dgm:whole>
@@ -2679,15 +2621,15 @@
       <dsp:cNvGrpSpPr/>
     </dsp:nvGrpSpPr>
     <dsp:grpSpPr/>
-    <dsp:sp modelId="{4563D30A-9D3D-410F-9970-EE9020CE3596}">
+    <dsp:sp modelId="{5BFE017F-604D-4965-858A-04563A7ACAA5}">
       <dsp:nvSpPr>
         <dsp:cNvPr id="0" name=""/>
         <dsp:cNvSpPr/>
       </dsp:nvSpPr>
       <dsp:spPr>
         <a:xfrm>
-          <a:off x="41" y="36019"/>
-          <a:ext cx="3962969" cy="604800"/>
+          <a:off x="1035" y="551178"/>
+          <a:ext cx="4037507" cy="2422504"/>
         </a:xfrm>
         <a:prstGeom prst="rect">
           <a:avLst/>
@@ -2702,7 +2644,7 @@
         </a:solidFill>
         <a:ln w="12700" cap="flat" cmpd="sng" algn="ctr">
           <a:solidFill>
-            <a:schemeClr val="accent5">
+            <a:schemeClr val="lt1">
               <a:hueOff val="0"/>
               <a:satOff val="0"/>
               <a:lumOff val="0"/>
@@ -2729,12 +2671,12 @@
         </a:fontRef>
       </dsp:style>
       <dsp:txBody>
-        <a:bodyPr spcFirstLastPara="0" vert="horz" wrap="square" lIns="149352" tIns="85344" rIns="149352" bIns="85344" numCol="1" spcCol="1270" anchor="ctr" anchorCtr="0">
+        <a:bodyPr spcFirstLastPara="0" vert="horz" wrap="square" lIns="83820" tIns="83820" rIns="83820" bIns="83820" numCol="1" spcCol="1270" anchor="t" anchorCtr="0">
           <a:noAutofit/>
         </a:bodyPr>
         <a:lstStyle/>
         <a:p>
-          <a:pPr marL="0" lvl="0" indent="0" algn="ctr" defTabSz="933450">
+          <a:pPr marL="0" lvl="0" indent="0" algn="ctr" defTabSz="977900">
             <a:lnSpc>
               <a:spcPct val="90000"/>
             </a:lnSpc>
@@ -2747,74 +2689,12 @@
             <a:buNone/>
           </a:pPr>
           <a:r>
-            <a:rPr lang="en-US" sz="2100" b="1" kern="1200" dirty="0"/>
+            <a:rPr lang="en-US" sz="2200" b="1" kern="1200" dirty="0"/>
             <a:t>Objective</a:t>
           </a:r>
         </a:p>
-      </dsp:txBody>
-      <dsp:txXfrm>
-        <a:off x="41" y="36019"/>
-        <a:ext cx="3962969" cy="604800"/>
-      </dsp:txXfrm>
-    </dsp:sp>
-    <dsp:sp modelId="{68DA6FE8-7A1A-40CC-9F19-EA57BA9AD270}">
-      <dsp:nvSpPr>
-        <dsp:cNvPr id="0" name=""/>
-        <dsp:cNvSpPr/>
-      </dsp:nvSpPr>
-      <dsp:spPr>
-        <a:xfrm>
-          <a:off x="41" y="640819"/>
-          <a:ext cx="3962969" cy="2848023"/>
-        </a:xfrm>
-        <a:prstGeom prst="rect">
-          <a:avLst/>
-        </a:prstGeom>
-        <a:solidFill>
-          <a:schemeClr val="accent5">
-            <a:tint val="40000"/>
-            <a:alpha val="90000"/>
-            <a:hueOff val="0"/>
-            <a:satOff val="0"/>
-            <a:lumOff val="0"/>
-            <a:alphaOff val="0"/>
-          </a:schemeClr>
-        </a:solidFill>
-        <a:ln w="12700" cap="flat" cmpd="sng" algn="ctr">
-          <a:solidFill>
-            <a:schemeClr val="accent5">
-              <a:tint val="40000"/>
-              <a:alpha val="90000"/>
-              <a:hueOff val="0"/>
-              <a:satOff val="0"/>
-              <a:lumOff val="0"/>
-              <a:alphaOff val="0"/>
-            </a:schemeClr>
-          </a:solidFill>
-          <a:prstDash val="solid"/>
-          <a:miter lim="800000"/>
-        </a:ln>
-        <a:effectLst/>
-      </dsp:spPr>
-      <dsp:style>
-        <a:lnRef idx="2">
-          <a:scrgbClr r="0" g="0" b="0"/>
-        </a:lnRef>
-        <a:fillRef idx="1">
-          <a:scrgbClr r="0" g="0" b="0"/>
-        </a:fillRef>
-        <a:effectRef idx="0">
-          <a:scrgbClr r="0" g="0" b="0"/>
-        </a:effectRef>
-        <a:fontRef idx="minor"/>
-      </dsp:style>
-      <dsp:txBody>
-        <a:bodyPr spcFirstLastPara="0" vert="horz" wrap="square" lIns="112014" tIns="112014" rIns="149352" bIns="168021" numCol="1" spcCol="1270" anchor="t" anchorCtr="0">
-          <a:noAutofit/>
-        </a:bodyPr>
-        <a:lstStyle/>
         <a:p>
-          <a:pPr marL="228600" lvl="1" indent="-228600" algn="l" defTabSz="933450">
+          <a:pPr marL="171450" lvl="1" indent="-171450" algn="l" defTabSz="755650">
             <a:lnSpc>
               <a:spcPct val="90000"/>
             </a:lnSpc>
@@ -2827,25 +2707,25 @@
             <a:buChar char="•"/>
           </a:pPr>
           <a:r>
-            <a:rPr lang="en-US" sz="2100" b="0" kern="1200" dirty="0"/>
+            <a:rPr lang="en-US" sz="1700" b="0" kern="1200" dirty="0"/>
             <a:t>Can future prices of cocoa beans on the ICE London contract market be forecasted between 2010 &amp; 2019? </a:t>
           </a:r>
         </a:p>
       </dsp:txBody>
       <dsp:txXfrm>
-        <a:off x="41" y="640819"/>
-        <a:ext cx="3962969" cy="2848023"/>
+        <a:off x="1035" y="551178"/>
+        <a:ext cx="4037507" cy="2422504"/>
       </dsp:txXfrm>
     </dsp:sp>
-    <dsp:sp modelId="{A1D2B774-8174-48E5-9C13-1F25CE40434F}">
+    <dsp:sp modelId="{520DFB2D-1D01-4362-BC76-55C30397E03B}">
       <dsp:nvSpPr>
         <dsp:cNvPr id="0" name=""/>
         <dsp:cNvSpPr/>
       </dsp:nvSpPr>
       <dsp:spPr>
         <a:xfrm>
-          <a:off x="4517826" y="36019"/>
-          <a:ext cx="3962969" cy="604800"/>
+          <a:off x="4442293" y="551178"/>
+          <a:ext cx="4037507" cy="2422504"/>
         </a:xfrm>
         <a:prstGeom prst="rect">
           <a:avLst/>
@@ -2860,10 +2740,10 @@
         </a:solidFill>
         <a:ln w="12700" cap="flat" cmpd="sng" algn="ctr">
           <a:solidFill>
-            <a:schemeClr val="accent5">
-              <a:hueOff val="-6758543"/>
-              <a:satOff val="-17419"/>
-              <a:lumOff val="-11765"/>
+            <a:schemeClr val="lt1">
+              <a:hueOff val="0"/>
+              <a:satOff val="0"/>
+              <a:lumOff val="0"/>
               <a:alphaOff val="0"/>
             </a:schemeClr>
           </a:solidFill>
@@ -2887,12 +2767,12 @@
         </a:fontRef>
       </dsp:style>
       <dsp:txBody>
-        <a:bodyPr spcFirstLastPara="0" vert="horz" wrap="square" lIns="149352" tIns="85344" rIns="149352" bIns="85344" numCol="1" spcCol="1270" anchor="ctr" anchorCtr="0">
+        <a:bodyPr spcFirstLastPara="0" vert="horz" wrap="square" lIns="83820" tIns="83820" rIns="83820" bIns="83820" numCol="1" spcCol="1270" anchor="t" anchorCtr="0">
           <a:noAutofit/>
         </a:bodyPr>
         <a:lstStyle/>
         <a:p>
-          <a:pPr marL="0" lvl="0" indent="0" algn="ctr" defTabSz="933450">
+          <a:pPr marL="0" lvl="0" indent="0" algn="ctr" defTabSz="977900">
             <a:lnSpc>
               <a:spcPct val="90000"/>
             </a:lnSpc>
@@ -2905,74 +2785,12 @@
             <a:buNone/>
           </a:pPr>
           <a:r>
-            <a:rPr lang="en-US" sz="2100" b="1" kern="1200" dirty="0"/>
+            <a:rPr lang="en-US" sz="2200" b="1" kern="1200" dirty="0"/>
             <a:t>Data Source</a:t>
           </a:r>
         </a:p>
-      </dsp:txBody>
-      <dsp:txXfrm>
-        <a:off x="4517826" y="36019"/>
-        <a:ext cx="3962969" cy="604800"/>
-      </dsp:txXfrm>
-    </dsp:sp>
-    <dsp:sp modelId="{92198294-70EE-402A-8097-1304951161BD}">
-      <dsp:nvSpPr>
-        <dsp:cNvPr id="0" name=""/>
-        <dsp:cNvSpPr/>
-      </dsp:nvSpPr>
-      <dsp:spPr>
-        <a:xfrm>
-          <a:off x="4517826" y="640819"/>
-          <a:ext cx="3962969" cy="2848023"/>
-        </a:xfrm>
-        <a:prstGeom prst="rect">
-          <a:avLst/>
-        </a:prstGeom>
-        <a:solidFill>
-          <a:schemeClr val="accent5">
-            <a:tint val="40000"/>
-            <a:alpha val="90000"/>
-            <a:hueOff val="-6739762"/>
-            <a:satOff val="-22832"/>
-            <a:lumOff val="-2928"/>
-            <a:alphaOff val="0"/>
-          </a:schemeClr>
-        </a:solidFill>
-        <a:ln w="12700" cap="flat" cmpd="sng" algn="ctr">
-          <a:solidFill>
-            <a:schemeClr val="accent5">
-              <a:tint val="40000"/>
-              <a:alpha val="90000"/>
-              <a:hueOff val="-6739762"/>
-              <a:satOff val="-22832"/>
-              <a:lumOff val="-2928"/>
-              <a:alphaOff val="0"/>
-            </a:schemeClr>
-          </a:solidFill>
-          <a:prstDash val="solid"/>
-          <a:miter lim="800000"/>
-        </a:ln>
-        <a:effectLst/>
-      </dsp:spPr>
-      <dsp:style>
-        <a:lnRef idx="2">
-          <a:scrgbClr r="0" g="0" b="0"/>
-        </a:lnRef>
-        <a:fillRef idx="1">
-          <a:scrgbClr r="0" g="0" b="0"/>
-        </a:fillRef>
-        <a:effectRef idx="0">
-          <a:scrgbClr r="0" g="0" b="0"/>
-        </a:effectRef>
-        <a:fontRef idx="minor"/>
-      </dsp:style>
-      <dsp:txBody>
-        <a:bodyPr spcFirstLastPara="0" vert="horz" wrap="square" lIns="112014" tIns="112014" rIns="149352" bIns="168021" numCol="1" spcCol="1270" anchor="t" anchorCtr="0">
-          <a:noAutofit/>
-        </a:bodyPr>
-        <a:lstStyle/>
         <a:p>
-          <a:pPr marL="228600" lvl="1" indent="-228600" algn="l" defTabSz="933450">
+          <a:pPr marL="171450" lvl="1" indent="-171450" algn="l" defTabSz="755650">
             <a:lnSpc>
               <a:spcPct val="90000"/>
             </a:lnSpc>
@@ -2985,17 +2803,17 @@
             <a:buChar char="•"/>
           </a:pPr>
           <a:r>
-            <a:rPr lang="en-US" sz="2100" b="1" kern="1200" dirty="0"/>
-            <a:t>Cocoa Bean Traded:</a:t>
+            <a:rPr lang="en-US" sz="1700" b="1" kern="1200" dirty="0"/>
+            <a:t>Cocoa Bean Traded on:</a:t>
           </a:r>
           <a:r>
-            <a:rPr lang="en-US" sz="2100" b="0" kern="1200" dirty="0"/>
+            <a:rPr lang="en-US" sz="1700" b="0" kern="1200" dirty="0"/>
             <a:t> London ICE Futures</a:t>
           </a:r>
-          <a:endParaRPr lang="en-US" sz="2100" kern="1200" dirty="0"/>
+          <a:endParaRPr lang="en-US" sz="1700" kern="1200" dirty="0"/>
         </a:p>
         <a:p>
-          <a:pPr marL="228600" lvl="1" indent="-228600" algn="l" defTabSz="933450">
+          <a:pPr marL="171450" lvl="1" indent="-171450" algn="l" defTabSz="755650">
             <a:lnSpc>
               <a:spcPct val="90000"/>
             </a:lnSpc>
@@ -3008,21 +2826,21 @@
             <a:buChar char="•"/>
           </a:pPr>
           <a:r>
-            <a:rPr lang="en-US" sz="2100" b="1" kern="1200" dirty="0"/>
+            <a:rPr lang="en-US" sz="1700" b="1" kern="1200" dirty="0"/>
             <a:t>Units:</a:t>
           </a:r>
           <a:r>
-            <a:rPr lang="en-US" sz="2100" b="0" kern="1200" dirty="0"/>
+            <a:rPr lang="en-US" sz="1700" b="0" kern="1200" dirty="0"/>
             <a:t> GBP/</a:t>
           </a:r>
           <a:r>
-            <a:rPr lang="en-US" sz="2100" b="0" kern="1200" dirty="0" err="1"/>
+            <a:rPr lang="en-US" sz="1700" b="0" kern="1200" dirty="0" err="1"/>
             <a:t>Tonne</a:t>
           </a:r>
-          <a:endParaRPr lang="en-US" sz="2100" b="1" kern="1200" dirty="0"/>
+          <a:endParaRPr lang="en-US" sz="1700" b="1" kern="1200" dirty="0"/>
         </a:p>
         <a:p>
-          <a:pPr marL="228600" lvl="1" indent="-228600" algn="l" defTabSz="933450">
+          <a:pPr marL="171450" lvl="1" indent="-171450" algn="l" defTabSz="755650">
             <a:lnSpc>
               <a:spcPct val="90000"/>
             </a:lnSpc>
@@ -3035,17 +2853,17 @@
             <a:buChar char="•"/>
           </a:pPr>
           <a:r>
-            <a:rPr lang="en-US" sz="2100" b="1" kern="1200" dirty="0"/>
+            <a:rPr lang="en-US" sz="1700" b="1" kern="1200" dirty="0"/>
             <a:t>Date:</a:t>
           </a:r>
           <a:r>
-            <a:rPr lang="en-US" sz="2100" b="0" kern="1200" dirty="0"/>
+            <a:rPr lang="en-US" sz="1700" b="0" kern="1200" dirty="0"/>
             <a:t> 2000-2019 (daily)</a:t>
           </a:r>
-          <a:endParaRPr lang="en-US" sz="2100" b="1" kern="1200" dirty="0"/>
+          <a:endParaRPr lang="en-US" sz="1700" b="1" kern="1200" dirty="0"/>
         </a:p>
         <a:p>
-          <a:pPr marL="457200" lvl="2" indent="-228600" algn="l" defTabSz="933450">
+          <a:pPr marL="342900" lvl="2" indent="-171450" algn="l" defTabSz="755650">
             <a:lnSpc>
               <a:spcPct val="90000"/>
             </a:lnSpc>
@@ -3058,12 +2876,12 @@
             <a:buChar char="•"/>
           </a:pPr>
           <a:r>
-            <a:rPr lang="en-US" sz="2100" b="0" kern="1200" dirty="0"/>
+            <a:rPr lang="en-US" sz="1700" b="0" kern="1200" dirty="0"/>
             <a:t>Aggregated to monthly averages</a:t>
           </a:r>
         </a:p>
         <a:p>
-          <a:pPr marL="228600" lvl="1" indent="-228600" algn="l" defTabSz="933450">
+          <a:pPr marL="171450" lvl="1" indent="-171450" algn="l" defTabSz="755650">
             <a:lnSpc>
               <a:spcPct val="90000"/>
             </a:lnSpc>
@@ -3076,23 +2894,23 @@
             <a:buChar char="•"/>
           </a:pPr>
           <a:r>
-            <a:rPr lang="en-US" sz="2100" b="1" kern="1200" dirty="0"/>
+            <a:rPr lang="en-US" sz="1700" b="1" kern="1200" dirty="0"/>
             <a:t>Data Source:</a:t>
           </a:r>
           <a:r>
-            <a:rPr lang="en-US" sz="2100" b="0" kern="1200" dirty="0"/>
+            <a:rPr lang="en-US" sz="1700" b="0" kern="1200" dirty="0"/>
             <a:t> International Cocoa Organization (ICCO)</a:t>
           </a:r>
           <a:r>
-            <a:rPr lang="en-US" sz="2100" b="0" kern="1200" baseline="30000" dirty="0"/>
-            <a:t>10</a:t>
+            <a:rPr lang="en-US" sz="1700" b="0" kern="1200" baseline="30000" dirty="0"/>
+            <a:t>6</a:t>
           </a:r>
-          <a:endParaRPr lang="en-US" sz="2100" b="1" kern="1200" baseline="30000" dirty="0"/>
+          <a:endParaRPr lang="en-US" sz="1700" b="1" kern="1200" baseline="30000" dirty="0"/>
         </a:p>
       </dsp:txBody>
       <dsp:txXfrm>
-        <a:off x="4517826" y="640819"/>
-        <a:ext cx="3962969" cy="2848023"/>
+        <a:off x="4442293" y="551178"/>
+        <a:ext cx="4037507" cy="2422504"/>
       </dsp:txXfrm>
     </dsp:sp>
   </dsp:spTree>
@@ -3507,80 +3325,13 @@
 </file>
 
 <file path=ppt/diagrams/layout1.xml><?xml version="1.0" encoding="utf-8"?>
-<dgm:layoutDef xmlns:dgm="http://schemas.openxmlformats.org/drawingml/2006/diagram" xmlns:a="http://schemas.openxmlformats.org/drawingml/2006/main" uniqueId="urn:microsoft.com/office/officeart/2005/8/layout/hList1">
+<dgm:layoutDef xmlns:dgm="http://schemas.openxmlformats.org/drawingml/2006/diagram" xmlns:a="http://schemas.openxmlformats.org/drawingml/2006/main" uniqueId="urn:microsoft.com/office/officeart/2005/8/layout/default">
   <dgm:title val=""/>
   <dgm:desc val=""/>
   <dgm:catLst>
-    <dgm:cat type="list" pri="5000"/>
-    <dgm:cat type="convert" pri="5000"/>
+    <dgm:cat type="list" pri="400"/>
   </dgm:catLst>
   <dgm:sampData>
-    <dgm:dataModel>
-      <dgm:ptLst>
-        <dgm:pt modelId="0" type="doc"/>
-        <dgm:pt modelId="1">
-          <dgm:prSet phldr="1"/>
-        </dgm:pt>
-        <dgm:pt modelId="11">
-          <dgm:prSet phldr="1"/>
-        </dgm:pt>
-        <dgm:pt modelId="12">
-          <dgm:prSet phldr="1"/>
-        </dgm:pt>
-        <dgm:pt modelId="2">
-          <dgm:prSet phldr="1"/>
-        </dgm:pt>
-        <dgm:pt modelId="21">
-          <dgm:prSet phldr="1"/>
-        </dgm:pt>
-        <dgm:pt modelId="22">
-          <dgm:prSet phldr="1"/>
-        </dgm:pt>
-        <dgm:pt modelId="3">
-          <dgm:prSet phldr="1"/>
-        </dgm:pt>
-        <dgm:pt modelId="31">
-          <dgm:prSet phldr="1"/>
-        </dgm:pt>
-        <dgm:pt modelId="32">
-          <dgm:prSet phldr="1"/>
-        </dgm:pt>
-      </dgm:ptLst>
-      <dgm:cxnLst>
-        <dgm:cxn modelId="4" srcId="0" destId="1" srcOrd="0" destOrd="0"/>
-        <dgm:cxn modelId="5" srcId="0" destId="2" srcOrd="1" destOrd="0"/>
-        <dgm:cxn modelId="6" srcId="0" destId="3" srcOrd="2" destOrd="0"/>
-        <dgm:cxn modelId="13" srcId="1" destId="11" srcOrd="0" destOrd="0"/>
-        <dgm:cxn modelId="14" srcId="1" destId="12" srcOrd="1" destOrd="0"/>
-        <dgm:cxn modelId="23" srcId="2" destId="21" srcOrd="0" destOrd="0"/>
-        <dgm:cxn modelId="24" srcId="2" destId="22" srcOrd="1" destOrd="0"/>
-        <dgm:cxn modelId="33" srcId="3" destId="31" srcOrd="0" destOrd="0"/>
-        <dgm:cxn modelId="34" srcId="3" destId="32" srcOrd="1" destOrd="0"/>
-      </dgm:cxnLst>
-      <dgm:bg/>
-      <dgm:whole/>
-    </dgm:dataModel>
-  </dgm:sampData>
-  <dgm:styleData>
-    <dgm:dataModel>
-      <dgm:ptLst>
-        <dgm:pt modelId="0" type="doc"/>
-        <dgm:pt modelId="1">
-          <dgm:prSet phldr="1"/>
-        </dgm:pt>
-        <dgm:pt modelId="2">
-          <dgm:prSet phldr="1"/>
-        </dgm:pt>
-      </dgm:ptLst>
-      <dgm:cxnLst>
-        <dgm:cxn modelId="3" srcId="0" destId="1" srcOrd="0" destOrd="0"/>
-        <dgm:cxn modelId="4" srcId="0" destId="2" srcOrd="1" destOrd="0"/>
-      </dgm:cxnLst>
-      <dgm:bg/>
-      <dgm:whole/>
-    </dgm:dataModel>
-  </dgm:styleData>
-  <dgm:clrData>
     <dgm:dataModel>
       <dgm:ptLst>
         <dgm:pt modelId="0" type="doc"/>
@@ -3596,30 +3347,79 @@
         <dgm:pt modelId="4">
           <dgm:prSet phldr="1"/>
         </dgm:pt>
+        <dgm:pt modelId="5">
+          <dgm:prSet phldr="1"/>
+        </dgm:pt>
       </dgm:ptLst>
       <dgm:cxnLst>
-        <dgm:cxn modelId="5" srcId="0" destId="1" srcOrd="0" destOrd="0"/>
-        <dgm:cxn modelId="6" srcId="0" destId="2" srcOrd="1" destOrd="0"/>
-        <dgm:cxn modelId="7" srcId="0" destId="3" srcOrd="2" destOrd="0"/>
-        <dgm:cxn modelId="8" srcId="0" destId="4" srcOrd="3" destOrd="0"/>
+        <dgm:cxn modelId="6" srcId="0" destId="1" srcOrd="0" destOrd="0"/>
+        <dgm:cxn modelId="7" srcId="0" destId="2" srcOrd="1" destOrd="0"/>
+        <dgm:cxn modelId="8" srcId="0" destId="3" srcOrd="2" destOrd="0"/>
+        <dgm:cxn modelId="9" srcId="0" destId="4" srcOrd="3" destOrd="0"/>
+        <dgm:cxn modelId="10" srcId="0" destId="5" srcOrd="4" destOrd="0"/>
+      </dgm:cxnLst>
+      <dgm:bg/>
+      <dgm:whole/>
+    </dgm:dataModel>
+  </dgm:sampData>
+  <dgm:styleData>
+    <dgm:dataModel>
+      <dgm:ptLst>
+        <dgm:pt modelId="0" type="doc"/>
+        <dgm:pt modelId="1"/>
+        <dgm:pt modelId="2"/>
+      </dgm:ptLst>
+      <dgm:cxnLst>
+        <dgm:cxn modelId="3" srcId="0" destId="1" srcOrd="0" destOrd="0"/>
+        <dgm:cxn modelId="4" srcId="0" destId="2" srcOrd="1" destOrd="0"/>
+      </dgm:cxnLst>
+      <dgm:bg/>
+      <dgm:whole/>
+    </dgm:dataModel>
+  </dgm:styleData>
+  <dgm:clrData>
+    <dgm:dataModel>
+      <dgm:ptLst>
+        <dgm:pt modelId="0" type="doc"/>
+        <dgm:pt modelId="1"/>
+        <dgm:pt modelId="2"/>
+        <dgm:pt modelId="3"/>
+        <dgm:pt modelId="4"/>
+        <dgm:pt modelId="5"/>
+        <dgm:pt modelId="6"/>
+      </dgm:ptLst>
+      <dgm:cxnLst>
+        <dgm:cxn modelId="7" srcId="0" destId="1" srcOrd="0" destOrd="0"/>
+        <dgm:cxn modelId="8" srcId="0" destId="2" srcOrd="1" destOrd="0"/>
+        <dgm:cxn modelId="9" srcId="0" destId="3" srcOrd="2" destOrd="0"/>
+        <dgm:cxn modelId="10" srcId="0" destId="4" srcOrd="3" destOrd="0"/>
+        <dgm:cxn modelId="11" srcId="0" destId="5" srcOrd="4" destOrd="0"/>
+        <dgm:cxn modelId="12" srcId="0" destId="6" srcOrd="5" destOrd="0"/>
       </dgm:cxnLst>
       <dgm:bg/>
       <dgm:whole/>
     </dgm:dataModel>
   </dgm:clrData>
-  <dgm:layoutNode name="Name0">
+  <dgm:layoutNode name="diagram">
     <dgm:varLst>
       <dgm:dir/>
-      <dgm:animLvl val="lvl"/>
       <dgm:resizeHandles val="exact"/>
     </dgm:varLst>
-    <dgm:choose name="Name1">
-      <dgm:if name="Name2" func="var" arg="dir" op="equ" val="norm">
-        <dgm:alg type="lin"/>
+    <dgm:choose name="Name0">
+      <dgm:if name="Name1" func="var" arg="dir" op="equ" val="norm">
+        <dgm:alg type="snake">
+          <dgm:param type="grDir" val="tL"/>
+          <dgm:param type="flowDir" val="row"/>
+          <dgm:param type="contDir" val="sameDir"/>
+          <dgm:param type="off" val="ctr"/>
+        </dgm:alg>
       </dgm:if>
-      <dgm:else name="Name3">
-        <dgm:alg type="lin">
-          <dgm:param type="linDir" val="fromR"/>
+      <dgm:else name="Name2">
+        <dgm:alg type="snake">
+          <dgm:param type="grDir" val="tR"/>
+          <dgm:param type="flowDir" val="row"/>
+          <dgm:param type="contDir" val="sameDir"/>
+          <dgm:param type="off" val="ctr"/>
         </dgm:alg>
       </dgm:else>
     </dgm:choose>
@@ -3628,87 +3428,35 @@
     </dgm:shape>
     <dgm:presOf/>
     <dgm:constrLst>
-      <dgm:constr type="h" for="ch" forName="composite" refType="h"/>
-      <dgm:constr type="w" for="ch" forName="composite" refType="w"/>
-      <dgm:constr type="w" for="des" forName="parTx"/>
-      <dgm:constr type="h" for="des" forName="parTx" op="equ"/>
-      <dgm:constr type="w" for="des" forName="desTx"/>
-      <dgm:constr type="h" for="des" forName="desTx" op="equ"/>
-      <dgm:constr type="primFontSz" for="des" forName="parTx" val="65"/>
-      <dgm:constr type="secFontSz" for="des" forName="desTx" refType="primFontSz" refFor="des" refForName="parTx" op="equ"/>
-      <dgm:constr type="h" for="des" forName="parTx" refType="primFontSz" refFor="des" refForName="parTx" fact="0.8"/>
-      <dgm:constr type="h" for="des" forName="desTx" refType="primFontSz" refFor="des" refForName="parTx" fact="1.22"/>
-      <dgm:constr type="w" for="ch" forName="space" refType="w" refFor="ch" refForName="composite" op="equ" fact="0.14"/>
+      <dgm:constr type="w" for="ch" forName="node" refType="w"/>
+      <dgm:constr type="h" for="ch" forName="node" refType="w" refFor="ch" refForName="node" fact="0.6"/>
+      <dgm:constr type="w" for="ch" forName="sibTrans" refType="w" refFor="ch" refForName="node" fact="0.1"/>
+      <dgm:constr type="sp" refType="w" refFor="ch" refForName="sibTrans"/>
+      <dgm:constr type="primFontSz" for="ch" forName="node" op="equ" val="65"/>
     </dgm:constrLst>
-    <dgm:ruleLst>
-      <dgm:rule type="w" for="ch" forName="composite" val="0" fact="NaN" max="NaN"/>
-      <dgm:rule type="primFontSz" for="des" forName="parTx" val="5" fact="NaN" max="NaN"/>
-    </dgm:ruleLst>
-    <dgm:forEach name="Name4" axis="ch" ptType="node">
-      <dgm:layoutNode name="composite">
-        <dgm:alg type="composite"/>
-        <dgm:shape xmlns:r="http://schemas.openxmlformats.org/officeDocument/2006/relationships" r:blip="">
+    <dgm:ruleLst/>
+    <dgm:forEach name="Name3" axis="ch" ptType="node">
+      <dgm:layoutNode name="node">
+        <dgm:varLst>
+          <dgm:bulletEnabled val="1"/>
+        </dgm:varLst>
+        <dgm:alg type="tx"/>
+        <dgm:shape xmlns:r="http://schemas.openxmlformats.org/officeDocument/2006/relationships" type="rect" r:blip="">
           <dgm:adjLst/>
         </dgm:shape>
-        <dgm:presOf/>
+        <dgm:presOf axis="desOrSelf" ptType="node"/>
         <dgm:constrLst>
-          <dgm:constr type="l" for="ch" forName="parTx"/>
-          <dgm:constr type="w" for="ch" forName="parTx" refType="w"/>
-          <dgm:constr type="t" for="ch" forName="parTx"/>
-          <dgm:constr type="l" for="ch" forName="desTx"/>
-          <dgm:constr type="w" for="ch" forName="desTx" refType="w" refFor="ch" refForName="parTx"/>
-          <dgm:constr type="t" for="ch" forName="desTx" refType="h" refFor="ch" refForName="parTx"/>
+          <dgm:constr type="lMarg" refType="primFontSz" fact="0.3"/>
+          <dgm:constr type="rMarg" refType="primFontSz" fact="0.3"/>
+          <dgm:constr type="tMarg" refType="primFontSz" fact="0.3"/>
+          <dgm:constr type="bMarg" refType="primFontSz" fact="0.3"/>
         </dgm:constrLst>
         <dgm:ruleLst>
-          <dgm:rule type="h" val="INF" fact="NaN" max="NaN"/>
+          <dgm:rule type="primFontSz" val="5" fact="NaN" max="NaN"/>
         </dgm:ruleLst>
-        <dgm:layoutNode name="parTx" styleLbl="alignNode1">
-          <dgm:varLst>
-            <dgm:chMax val="0"/>
-            <dgm:chPref val="0"/>
-            <dgm:bulletEnabled val="1"/>
-          </dgm:varLst>
-          <dgm:alg type="tx"/>
-          <dgm:shape xmlns:r="http://schemas.openxmlformats.org/officeDocument/2006/relationships" type="rect" r:blip="">
-            <dgm:adjLst/>
-          </dgm:shape>
-          <dgm:presOf axis="self" ptType="node"/>
-          <dgm:constrLst>
-            <dgm:constr type="h" refType="w" op="lte" fact="0.4"/>
-            <dgm:constr type="h"/>
-            <dgm:constr type="tMarg" refType="primFontSz" fact="0.32"/>
-            <dgm:constr type="bMarg" refType="primFontSz" fact="0.32"/>
-          </dgm:constrLst>
-          <dgm:ruleLst>
-            <dgm:rule type="h" val="INF" fact="NaN" max="NaN"/>
-          </dgm:ruleLst>
-        </dgm:layoutNode>
-        <dgm:layoutNode name="desTx" styleLbl="alignAccFollowNode1">
-          <dgm:varLst>
-            <dgm:bulletEnabled val="1"/>
-          </dgm:varLst>
-          <dgm:alg type="tx">
-            <dgm:param type="stBulletLvl" val="1"/>
-          </dgm:alg>
-          <dgm:shape xmlns:r="http://schemas.openxmlformats.org/officeDocument/2006/relationships" type="rect" r:blip="">
-            <dgm:adjLst/>
-          </dgm:shape>
-          <dgm:presOf axis="des" ptType="node"/>
-          <dgm:constrLst>
-            <dgm:constr type="secFontSz" val="65"/>
-            <dgm:constr type="primFontSz" refType="secFontSz"/>
-            <dgm:constr type="h"/>
-            <dgm:constr type="lMarg" refType="primFontSz" fact="0.42"/>
-            <dgm:constr type="tMarg" refType="primFontSz" fact="0.42"/>
-            <dgm:constr type="bMarg" refType="primFontSz" fact="0.63"/>
-          </dgm:constrLst>
-          <dgm:ruleLst>
-            <dgm:rule type="h" val="INF" fact="NaN" max="NaN"/>
-          </dgm:ruleLst>
-        </dgm:layoutNode>
       </dgm:layoutNode>
-      <dgm:forEach name="Name5" axis="followSib" ptType="sibTrans" cnt="1">
-        <dgm:layoutNode name="space">
+      <dgm:forEach name="Name4" axis="followSib" ptType="sibTrans" cnt="1">
+        <dgm:layoutNode name="sibTrans">
           <dgm:alg type="sp"/>
           <dgm:shape xmlns:r="http://schemas.openxmlformats.org/officeDocument/2006/relationships" r:blip="">
             <dgm:adjLst/>
@@ -5938,6 +5686,355 @@
 </dgm:styleDef>
 </file>
 
+<file path=ppt/notesMasters/notesMaster1.xml><?xml version="1.0" encoding="utf-8"?>
+<p:notesMaster xmlns:a="http://schemas.openxmlformats.org/drawingml/2006/main" xmlns:r="http://schemas.openxmlformats.org/officeDocument/2006/relationships" xmlns:p="http://schemas.openxmlformats.org/presentationml/2006/main">
+  <p:cSld>
+    <p:bg>
+      <p:bgRef idx="1001">
+        <a:schemeClr val="bg1"/>
+      </p:bgRef>
+    </p:bg>
+    <p:spTree>
+      <p:nvGrpSpPr>
+        <p:cNvPr id="1" name=""/>
+        <p:cNvGrpSpPr/>
+        <p:nvPr/>
+      </p:nvGrpSpPr>
+      <p:grpSpPr>
+        <a:xfrm>
+          <a:off x="0" y="0"/>
+          <a:ext cx="0" cy="0"/>
+          <a:chOff x="0" y="0"/>
+          <a:chExt cx="0" cy="0"/>
+        </a:xfrm>
+      </p:grpSpPr>
+      <p:sp>
+        <p:nvSpPr>
+          <p:cNvPr id="2" name="Header Placeholder 1"/>
+          <p:cNvSpPr>
+            <a:spLocks noGrp="1"/>
+          </p:cNvSpPr>
+          <p:nvPr>
+            <p:ph type="hdr" sz="quarter"/>
+          </p:nvPr>
+        </p:nvSpPr>
+        <p:spPr>
+          <a:xfrm>
+            <a:off x="0" y="0"/>
+            <a:ext cx="2971800" cy="458788"/>
+          </a:xfrm>
+          <a:prstGeom prst="rect">
+            <a:avLst/>
+          </a:prstGeom>
+        </p:spPr>
+        <p:txBody>
+          <a:bodyPr vert="horz" lIns="91440" tIns="45720" rIns="91440" bIns="45720" rtlCol="0"/>
+          <a:lstStyle>
+            <a:lvl1pPr algn="l">
+              <a:defRPr sz="1200"/>
+            </a:lvl1pPr>
+          </a:lstStyle>
+          <a:p>
+            <a:endParaRPr lang="en-US"/>
+          </a:p>
+        </p:txBody>
+      </p:sp>
+      <p:sp>
+        <p:nvSpPr>
+          <p:cNvPr id="3" name="Date Placeholder 2"/>
+          <p:cNvSpPr>
+            <a:spLocks noGrp="1"/>
+          </p:cNvSpPr>
+          <p:nvPr>
+            <p:ph type="dt" idx="1"/>
+          </p:nvPr>
+        </p:nvSpPr>
+        <p:spPr>
+          <a:xfrm>
+            <a:off x="3884613" y="0"/>
+            <a:ext cx="2971800" cy="458788"/>
+          </a:xfrm>
+          <a:prstGeom prst="rect">
+            <a:avLst/>
+          </a:prstGeom>
+        </p:spPr>
+        <p:txBody>
+          <a:bodyPr vert="horz" lIns="91440" tIns="45720" rIns="91440" bIns="45720" rtlCol="0"/>
+          <a:lstStyle>
+            <a:lvl1pPr algn="r">
+              <a:defRPr sz="1200"/>
+            </a:lvl1pPr>
+          </a:lstStyle>
+          <a:p>
+            <a:fld id="{5740A2E2-CC0C-44DA-A85A-71E90DAEE8E6}" type="datetimeFigureOut">
+              <a:rPr lang="en-US" smtClean="0"/>
+              <a:t>11/5/2022</a:t>
+            </a:fld>
+            <a:endParaRPr lang="en-US"/>
+          </a:p>
+        </p:txBody>
+      </p:sp>
+      <p:sp>
+        <p:nvSpPr>
+          <p:cNvPr id="4" name="Slide Image Placeholder 3"/>
+          <p:cNvSpPr>
+            <a:spLocks noGrp="1" noRot="1" noChangeAspect="1"/>
+          </p:cNvSpPr>
+          <p:nvPr>
+            <p:ph type="sldImg" idx="2"/>
+          </p:nvPr>
+        </p:nvSpPr>
+        <p:spPr>
+          <a:xfrm>
+            <a:off x="685800" y="1143000"/>
+            <a:ext cx="5486400" cy="3086100"/>
+          </a:xfrm>
+          <a:prstGeom prst="rect">
+            <a:avLst/>
+          </a:prstGeom>
+          <a:noFill/>
+          <a:ln w="12700">
+            <a:solidFill>
+              <a:prstClr val="black"/>
+            </a:solidFill>
+          </a:ln>
+        </p:spPr>
+        <p:txBody>
+          <a:bodyPr vert="horz" lIns="91440" tIns="45720" rIns="91440" bIns="45720" rtlCol="0" anchor="ctr"/>
+          <a:lstStyle/>
+          <a:p>
+            <a:endParaRPr lang="en-US"/>
+          </a:p>
+        </p:txBody>
+      </p:sp>
+      <p:sp>
+        <p:nvSpPr>
+          <p:cNvPr id="5" name="Notes Placeholder 4"/>
+          <p:cNvSpPr>
+            <a:spLocks noGrp="1"/>
+          </p:cNvSpPr>
+          <p:nvPr>
+            <p:ph type="body" sz="quarter" idx="3"/>
+          </p:nvPr>
+        </p:nvSpPr>
+        <p:spPr>
+          <a:xfrm>
+            <a:off x="685800" y="4400550"/>
+            <a:ext cx="5486400" cy="3600450"/>
+          </a:xfrm>
+          <a:prstGeom prst="rect">
+            <a:avLst/>
+          </a:prstGeom>
+        </p:spPr>
+        <p:txBody>
+          <a:bodyPr vert="horz" lIns="91440" tIns="45720" rIns="91440" bIns="45720" rtlCol="0"/>
+          <a:lstStyle/>
+          <a:p>
+            <a:pPr lvl="0"/>
+            <a:r>
+              <a:rPr lang="en-US"/>
+              <a:t>Click to edit Master text styles</a:t>
+            </a:r>
+          </a:p>
+          <a:p>
+            <a:pPr lvl="1"/>
+            <a:r>
+              <a:rPr lang="en-US"/>
+              <a:t>Second level</a:t>
+            </a:r>
+          </a:p>
+          <a:p>
+            <a:pPr lvl="2"/>
+            <a:r>
+              <a:rPr lang="en-US"/>
+              <a:t>Third level</a:t>
+            </a:r>
+          </a:p>
+          <a:p>
+            <a:pPr lvl="3"/>
+            <a:r>
+              <a:rPr lang="en-US"/>
+              <a:t>Fourth level</a:t>
+            </a:r>
+          </a:p>
+          <a:p>
+            <a:pPr lvl="4"/>
+            <a:r>
+              <a:rPr lang="en-US"/>
+              <a:t>Fifth level</a:t>
+            </a:r>
+          </a:p>
+        </p:txBody>
+      </p:sp>
+      <p:sp>
+        <p:nvSpPr>
+          <p:cNvPr id="6" name="Footer Placeholder 5"/>
+          <p:cNvSpPr>
+            <a:spLocks noGrp="1"/>
+          </p:cNvSpPr>
+          <p:nvPr>
+            <p:ph type="ftr" sz="quarter" idx="4"/>
+          </p:nvPr>
+        </p:nvSpPr>
+        <p:spPr>
+          <a:xfrm>
+            <a:off x="0" y="8685213"/>
+            <a:ext cx="2971800" cy="458787"/>
+          </a:xfrm>
+          <a:prstGeom prst="rect">
+            <a:avLst/>
+          </a:prstGeom>
+        </p:spPr>
+        <p:txBody>
+          <a:bodyPr vert="horz" lIns="91440" tIns="45720" rIns="91440" bIns="45720" rtlCol="0" anchor="b"/>
+          <a:lstStyle>
+            <a:lvl1pPr algn="l">
+              <a:defRPr sz="1200"/>
+            </a:lvl1pPr>
+          </a:lstStyle>
+          <a:p>
+            <a:endParaRPr lang="en-US"/>
+          </a:p>
+        </p:txBody>
+      </p:sp>
+      <p:sp>
+        <p:nvSpPr>
+          <p:cNvPr id="7" name="Slide Number Placeholder 6"/>
+          <p:cNvSpPr>
+            <a:spLocks noGrp="1"/>
+          </p:cNvSpPr>
+          <p:nvPr>
+            <p:ph type="sldNum" sz="quarter" idx="5"/>
+          </p:nvPr>
+        </p:nvSpPr>
+        <p:spPr>
+          <a:xfrm>
+            <a:off x="3884613" y="8685213"/>
+            <a:ext cx="2971800" cy="458787"/>
+          </a:xfrm>
+          <a:prstGeom prst="rect">
+            <a:avLst/>
+          </a:prstGeom>
+        </p:spPr>
+        <p:txBody>
+          <a:bodyPr vert="horz" lIns="91440" tIns="45720" rIns="91440" bIns="45720" rtlCol="0" anchor="b"/>
+          <a:lstStyle>
+            <a:lvl1pPr algn="r">
+              <a:defRPr sz="1200"/>
+            </a:lvl1pPr>
+          </a:lstStyle>
+          <a:p>
+            <a:fld id="{245B21F9-45D4-4617-A73E-2D0BA2423345}" type="slidenum">
+              <a:rPr lang="en-US" smtClean="0"/>
+              <a:t>‹#›</a:t>
+            </a:fld>
+            <a:endParaRPr lang="en-US"/>
+          </a:p>
+        </p:txBody>
+      </p:sp>
+    </p:spTree>
+    <p:extLst>
+      <p:ext uri="{BB962C8B-B14F-4D97-AF65-F5344CB8AC3E}">
+        <p14:creationId xmlns:p14="http://schemas.microsoft.com/office/powerpoint/2010/main" val="2132481992"/>
+      </p:ext>
+    </p:extLst>
+  </p:cSld>
+  <p:clrMap bg1="lt1" tx1="dk1" bg2="lt2" tx2="dk2" accent1="accent1" accent2="accent2" accent3="accent3" accent4="accent4" accent5="accent5" accent6="accent6" hlink="hlink" folHlink="folHlink"/>
+  <p:notesStyle>
+    <a:lvl1pPr marL="0" algn="l" defTabSz="914400" rtl="0" eaLnBrk="1" latinLnBrk="0" hangingPunct="1">
+      <a:defRPr sz="1200" kern="1200">
+        <a:solidFill>
+          <a:schemeClr val="tx1"/>
+        </a:solidFill>
+        <a:latin typeface="+mn-lt"/>
+        <a:ea typeface="+mn-ea"/>
+        <a:cs typeface="+mn-cs"/>
+      </a:defRPr>
+    </a:lvl1pPr>
+    <a:lvl2pPr marL="457200" algn="l" defTabSz="914400" rtl="0" eaLnBrk="1" latinLnBrk="0" hangingPunct="1">
+      <a:defRPr sz="1200" kern="1200">
+        <a:solidFill>
+          <a:schemeClr val="tx1"/>
+        </a:solidFill>
+        <a:latin typeface="+mn-lt"/>
+        <a:ea typeface="+mn-ea"/>
+        <a:cs typeface="+mn-cs"/>
+      </a:defRPr>
+    </a:lvl2pPr>
+    <a:lvl3pPr marL="914400" algn="l" defTabSz="914400" rtl="0" eaLnBrk="1" latinLnBrk="0" hangingPunct="1">
+      <a:defRPr sz="1200" kern="1200">
+        <a:solidFill>
+          <a:schemeClr val="tx1"/>
+        </a:solidFill>
+        <a:latin typeface="+mn-lt"/>
+        <a:ea typeface="+mn-ea"/>
+        <a:cs typeface="+mn-cs"/>
+      </a:defRPr>
+    </a:lvl3pPr>
+    <a:lvl4pPr marL="1371600" algn="l" defTabSz="914400" rtl="0" eaLnBrk="1" latinLnBrk="0" hangingPunct="1">
+      <a:defRPr sz="1200" kern="1200">
+        <a:solidFill>
+          <a:schemeClr val="tx1"/>
+        </a:solidFill>
+        <a:latin typeface="+mn-lt"/>
+        <a:ea typeface="+mn-ea"/>
+        <a:cs typeface="+mn-cs"/>
+      </a:defRPr>
+    </a:lvl4pPr>
+    <a:lvl5pPr marL="1828800" algn="l" defTabSz="914400" rtl="0" eaLnBrk="1" latinLnBrk="0" hangingPunct="1">
+      <a:defRPr sz="1200" kern="1200">
+        <a:solidFill>
+          <a:schemeClr val="tx1"/>
+        </a:solidFill>
+        <a:latin typeface="+mn-lt"/>
+        <a:ea typeface="+mn-ea"/>
+        <a:cs typeface="+mn-cs"/>
+      </a:defRPr>
+    </a:lvl5pPr>
+    <a:lvl6pPr marL="2286000" algn="l" defTabSz="914400" rtl="0" eaLnBrk="1" latinLnBrk="0" hangingPunct="1">
+      <a:defRPr sz="1200" kern="1200">
+        <a:solidFill>
+          <a:schemeClr val="tx1"/>
+        </a:solidFill>
+        <a:latin typeface="+mn-lt"/>
+        <a:ea typeface="+mn-ea"/>
+        <a:cs typeface="+mn-cs"/>
+      </a:defRPr>
+    </a:lvl6pPr>
+    <a:lvl7pPr marL="2743200" algn="l" defTabSz="914400" rtl="0" eaLnBrk="1" latinLnBrk="0" hangingPunct="1">
+      <a:defRPr sz="1200" kern="1200">
+        <a:solidFill>
+          <a:schemeClr val="tx1"/>
+        </a:solidFill>
+        <a:latin typeface="+mn-lt"/>
+        <a:ea typeface="+mn-ea"/>
+        <a:cs typeface="+mn-cs"/>
+      </a:defRPr>
+    </a:lvl7pPr>
+    <a:lvl8pPr marL="3200400" algn="l" defTabSz="914400" rtl="0" eaLnBrk="1" latinLnBrk="0" hangingPunct="1">
+      <a:defRPr sz="1200" kern="1200">
+        <a:solidFill>
+          <a:schemeClr val="tx1"/>
+        </a:solidFill>
+        <a:latin typeface="+mn-lt"/>
+        <a:ea typeface="+mn-ea"/>
+        <a:cs typeface="+mn-cs"/>
+      </a:defRPr>
+    </a:lvl8pPr>
+    <a:lvl9pPr marL="3657600" algn="l" defTabSz="914400" rtl="0" eaLnBrk="1" latinLnBrk="0" hangingPunct="1">
+      <a:defRPr sz="1200" kern="1200">
+        <a:solidFill>
+          <a:schemeClr val="tx1"/>
+        </a:solidFill>
+        <a:latin typeface="+mn-lt"/>
+        <a:ea typeface="+mn-ea"/>
+        <a:cs typeface="+mn-cs"/>
+      </a:defRPr>
+    </a:lvl9pPr>
+  </p:notesStyle>
+</p:notesMaster>
+</file>
+
 <file path=ppt/slideLayouts/slideLayout1.xml><?xml version="1.0" encoding="utf-8"?>
 <p:sldLayout xmlns:a="http://schemas.openxmlformats.org/drawingml/2006/main" xmlns:r="http://schemas.openxmlformats.org/officeDocument/2006/relationships" xmlns:p="http://schemas.openxmlformats.org/presentationml/2006/main" type="title" preserve="1">
   <p:cSld name="Title Slide">
@@ -6085,7 +6182,7 @@
           <a:p>
             <a:fld id="{86CE6AFD-CC0D-460F-BFD5-3552A6FE4003}" type="datetimeFigureOut">
               <a:rPr lang="en-US" smtClean="0"/>
-              <a:t>11/4/2022</a:t>
+              <a:t>11/5/2022</a:t>
             </a:fld>
             <a:endParaRPr lang="en-US"/>
           </a:p>
@@ -6283,7 +6380,7 @@
           <a:p>
             <a:fld id="{86CE6AFD-CC0D-460F-BFD5-3552A6FE4003}" type="datetimeFigureOut">
               <a:rPr lang="en-US" smtClean="0"/>
-              <a:t>11/4/2022</a:t>
+              <a:t>11/5/2022</a:t>
             </a:fld>
             <a:endParaRPr lang="en-US"/>
           </a:p>
@@ -6491,7 +6588,7 @@
           <a:p>
             <a:fld id="{86CE6AFD-CC0D-460F-BFD5-3552A6FE4003}" type="datetimeFigureOut">
               <a:rPr lang="en-US" smtClean="0"/>
-              <a:t>11/4/2022</a:t>
+              <a:t>11/5/2022</a:t>
             </a:fld>
             <a:endParaRPr lang="en-US"/>
           </a:p>
@@ -6689,7 +6786,7 @@
           <a:p>
             <a:fld id="{86CE6AFD-CC0D-460F-BFD5-3552A6FE4003}" type="datetimeFigureOut">
               <a:rPr lang="en-US" smtClean="0"/>
-              <a:t>11/4/2022</a:t>
+              <a:t>11/5/2022</a:t>
             </a:fld>
             <a:endParaRPr lang="en-US"/>
           </a:p>
@@ -6964,7 +7061,7 @@
           <a:p>
             <a:fld id="{86CE6AFD-CC0D-460F-BFD5-3552A6FE4003}" type="datetimeFigureOut">
               <a:rPr lang="en-US" smtClean="0"/>
-              <a:t>11/4/2022</a:t>
+              <a:t>11/5/2022</a:t>
             </a:fld>
             <a:endParaRPr lang="en-US"/>
           </a:p>
@@ -7229,7 +7326,7 @@
           <a:p>
             <a:fld id="{86CE6AFD-CC0D-460F-BFD5-3552A6FE4003}" type="datetimeFigureOut">
               <a:rPr lang="en-US" smtClean="0"/>
-              <a:t>11/4/2022</a:t>
+              <a:t>11/5/2022</a:t>
             </a:fld>
             <a:endParaRPr lang="en-US"/>
           </a:p>
@@ -7641,7 +7738,7 @@
           <a:p>
             <a:fld id="{86CE6AFD-CC0D-460F-BFD5-3552A6FE4003}" type="datetimeFigureOut">
               <a:rPr lang="en-US" smtClean="0"/>
-              <a:t>11/4/2022</a:t>
+              <a:t>11/5/2022</a:t>
             </a:fld>
             <a:endParaRPr lang="en-US"/>
           </a:p>
@@ -7782,7 +7879,7 @@
           <a:p>
             <a:fld id="{86CE6AFD-CC0D-460F-BFD5-3552A6FE4003}" type="datetimeFigureOut">
               <a:rPr lang="en-US" smtClean="0"/>
-              <a:t>11/4/2022</a:t>
+              <a:t>11/5/2022</a:t>
             </a:fld>
             <a:endParaRPr lang="en-US"/>
           </a:p>
@@ -7895,7 +7992,7 @@
           <a:p>
             <a:fld id="{86CE6AFD-CC0D-460F-BFD5-3552A6FE4003}" type="datetimeFigureOut">
               <a:rPr lang="en-US" smtClean="0"/>
-              <a:t>11/4/2022</a:t>
+              <a:t>11/5/2022</a:t>
             </a:fld>
             <a:endParaRPr lang="en-US"/>
           </a:p>
@@ -8206,7 +8303,7 @@
           <a:p>
             <a:fld id="{86CE6AFD-CC0D-460F-BFD5-3552A6FE4003}" type="datetimeFigureOut">
               <a:rPr lang="en-US" smtClean="0"/>
-              <a:t>11/4/2022</a:t>
+              <a:t>11/5/2022</a:t>
             </a:fld>
             <a:endParaRPr lang="en-US"/>
           </a:p>
@@ -8494,7 +8591,7 @@
           <a:p>
             <a:fld id="{86CE6AFD-CC0D-460F-BFD5-3552A6FE4003}" type="datetimeFigureOut">
               <a:rPr lang="en-US" smtClean="0"/>
-              <a:t>11/4/2022</a:t>
+              <a:t>11/5/2022</a:t>
             </a:fld>
             <a:endParaRPr lang="en-US"/>
           </a:p>
@@ -8735,7 +8832,7 @@
           <a:p>
             <a:fld id="{86CE6AFD-CC0D-460F-BFD5-3552A6FE4003}" type="datetimeFigureOut">
               <a:rPr lang="en-US" smtClean="0"/>
-              <a:t>11/4/2022</a:t>
+              <a:t>11/5/2022</a:t>
             </a:fld>
             <a:endParaRPr lang="en-US"/>
           </a:p>
@@ -9627,13 +9724,29 @@
             </a:pPr>
             <a:r>
               <a:rPr lang="en-US" sz="1500" dirty="0"/>
-              <a:t>Cacao trees thrive in the rainforest and can only grow roughly 20 degrees north and south of the equator.</a:t>
-            </a:r>
-            <a:r>
-              <a:rPr lang="en-US" sz="1500" baseline="30000" dirty="0"/>
-              <a:t> 6</a:t>
-            </a:r>
-            <a:endParaRPr lang="en-US" sz="1500" b="1" dirty="0"/>
+              <a:t>Cacao trees thrive in the rainforest and can only grow roughly 20 degrees </a:t>
+            </a:r>
+            <a:r>
+              <a:rPr lang="en-US" sz="1500" dirty="0">
+                <a:solidFill>
+                  <a:schemeClr val="tx1"/>
+                </a:solidFill>
+              </a:rPr>
+              <a:t>north and south of the equator.</a:t>
+            </a:r>
+            <a:r>
+              <a:rPr lang="en-US" sz="1500" baseline="30000" dirty="0">
+                <a:solidFill>
+                  <a:schemeClr val="tx1"/>
+                </a:solidFill>
+              </a:rPr>
+              <a:t> 1</a:t>
+            </a:r>
+            <a:endParaRPr lang="en-US" sz="1500" b="1" dirty="0">
+              <a:solidFill>
+                <a:schemeClr val="tx1"/>
+              </a:solidFill>
+            </a:endParaRPr>
           </a:p>
           <a:p>
             <a:pPr>
@@ -9642,15 +9755,27 @@
               </a:lnSpc>
             </a:pPr>
             <a:r>
-              <a:rPr lang="en-US" sz="1500" b="1" dirty="0"/>
+              <a:rPr lang="en-US" sz="1500" b="1" dirty="0">
+                <a:solidFill>
+                  <a:schemeClr val="tx1"/>
+                </a:solidFill>
+              </a:rPr>
               <a:t>Europe is the world’s largest hub for chocolate manufacturing, exports, and consumption.</a:t>
             </a:r>
             <a:r>
-              <a:rPr lang="en-US" sz="1500" b="1" baseline="30000" dirty="0"/>
-              <a:t>3</a:t>
-            </a:r>
-            <a:r>
-              <a:rPr lang="en-US" sz="1500" b="1" dirty="0"/>
+              <a:rPr lang="en-US" sz="1500" b="1" baseline="30000" dirty="0">
+                <a:solidFill>
+                  <a:schemeClr val="tx1"/>
+                </a:solidFill>
+              </a:rPr>
+              <a:t>2</a:t>
+            </a:r>
+            <a:r>
+              <a:rPr lang="en-US" sz="1500" b="1" dirty="0">
+                <a:solidFill>
+                  <a:schemeClr val="tx1"/>
+                </a:solidFill>
+              </a:rPr>
               <a:t> </a:t>
             </a:r>
           </a:p>
@@ -9661,7 +9786,11 @@
               </a:lnSpc>
             </a:pPr>
             <a:r>
-              <a:rPr lang="en-US" sz="1500" dirty="0"/>
+              <a:rPr lang="en-US" sz="1500" dirty="0">
+                <a:solidFill>
+                  <a:schemeClr val="tx1"/>
+                </a:solidFill>
+              </a:rPr>
               <a:t>Hence demand/imports of cocoa beans is high in Europe. </a:t>
             </a:r>
           </a:p>
@@ -9672,19 +9801,35 @@
               </a:lnSpc>
             </a:pPr>
             <a:r>
-              <a:rPr lang="en-US" sz="1500" b="1" dirty="0"/>
+              <a:rPr lang="en-US" sz="1500" b="1" dirty="0">
+                <a:solidFill>
+                  <a:schemeClr val="tx1"/>
+                </a:solidFill>
+              </a:rPr>
               <a:t>2018 Market Share Imports: </a:t>
             </a:r>
             <a:r>
-              <a:rPr lang="en-US" sz="1500" dirty="0"/>
+              <a:rPr lang="en-US" sz="1500" dirty="0">
+                <a:solidFill>
+                  <a:schemeClr val="tx1"/>
+                </a:solidFill>
+              </a:rPr>
               <a:t>Netherlands (31%), Germany (10%), Belgium (8%), France (4%), etc.</a:t>
             </a:r>
             <a:r>
-              <a:rPr lang="en-US" sz="1500" baseline="30000" dirty="0"/>
-              <a:t>2</a:t>
-            </a:r>
-            <a:r>
-              <a:rPr lang="en-US" sz="1500" dirty="0"/>
+              <a:rPr lang="en-US" sz="1500" baseline="30000" dirty="0">
+                <a:solidFill>
+                  <a:schemeClr val="tx1"/>
+                </a:solidFill>
+              </a:rPr>
+              <a:t>3</a:t>
+            </a:r>
+            <a:r>
+              <a:rPr lang="en-US" sz="1500" dirty="0">
+                <a:solidFill>
+                  <a:schemeClr val="tx1"/>
+                </a:solidFill>
+              </a:rPr>
               <a:t> </a:t>
             </a:r>
           </a:p>
@@ -9695,12 +9840,20 @@
               </a:lnSpc>
             </a:pPr>
             <a:r>
-              <a:rPr lang="en-US" sz="1500" b="1" dirty="0"/>
+              <a:rPr lang="en-US" sz="1500" b="1" dirty="0">
+                <a:solidFill>
+                  <a:schemeClr val="tx1"/>
+                </a:solidFill>
+              </a:rPr>
               <a:t>West Africa is the largest exporter of cocoa beans to Europe (74%).</a:t>
             </a:r>
             <a:r>
-              <a:rPr lang="en-US" sz="1500" b="1" baseline="30000" dirty="0"/>
-              <a:t>3</a:t>
+              <a:rPr lang="en-US" sz="1500" b="1" baseline="30000" dirty="0">
+                <a:solidFill>
+                  <a:schemeClr val="tx1"/>
+                </a:solidFill>
+              </a:rPr>
+              <a:t>2</a:t>
             </a:r>
           </a:p>
           <a:p>
@@ -9710,16 +9863,28 @@
               </a:lnSpc>
             </a:pPr>
             <a:r>
-              <a:rPr lang="en-US" sz="1500" b="1" dirty="0"/>
+              <a:rPr lang="en-US" sz="1500" b="1" dirty="0">
+                <a:solidFill>
+                  <a:schemeClr val="tx1"/>
+                </a:solidFill>
+              </a:rPr>
               <a:t>2019 Origin of European Imports: </a:t>
             </a:r>
             <a:r>
-              <a:rPr lang="en-US" sz="1500" dirty="0"/>
+              <a:rPr lang="en-US" sz="1500" dirty="0">
+                <a:solidFill>
+                  <a:schemeClr val="tx1"/>
+                </a:solidFill>
+              </a:rPr>
               <a:t>Ivory Coast (41%), Ghana (13%), Nigeria (9%), Cameroon (9%), etc.</a:t>
             </a:r>
             <a:r>
-              <a:rPr lang="en-US" sz="1500" baseline="30000" dirty="0"/>
-              <a:t>3 </a:t>
+              <a:rPr lang="en-US" sz="1500" baseline="30000" dirty="0">
+                <a:solidFill>
+                  <a:schemeClr val="tx1"/>
+                </a:solidFill>
+              </a:rPr>
+              <a:t>2 </a:t>
             </a:r>
           </a:p>
           <a:p>
@@ -9729,12 +9894,20 @@
               </a:lnSpc>
             </a:pPr>
             <a:r>
-              <a:rPr lang="en-US" sz="1500" dirty="0"/>
+              <a:rPr lang="en-US" sz="1500" dirty="0">
+                <a:solidFill>
+                  <a:schemeClr val="tx1"/>
+                </a:solidFill>
+              </a:rPr>
               <a:t>Ivory Coast and Ghana are the largest exporters of cocoa beans in the world (in 2018: 39% and 21% respectively).</a:t>
             </a:r>
             <a:r>
-              <a:rPr lang="en-US" sz="1500" baseline="30000" dirty="0"/>
-              <a:t>1</a:t>
+              <a:rPr lang="en-US" sz="1500" baseline="30000" dirty="0">
+                <a:solidFill>
+                  <a:schemeClr val="tx1"/>
+                </a:solidFill>
+              </a:rPr>
+              <a:t>4</a:t>
             </a:r>
           </a:p>
         </p:txBody>
@@ -9877,20 +10050,19 @@
             </a:pPr>
             <a:r>
               <a:rPr lang="en-US" sz="1500" dirty="0"/>
-              <a:t>Commodity futures are contracts in which the purchaser agrees to buy or sell a specific quantity of a physical commodity at a specified price on a particular date in the future.</a:t>
+              <a:t>A commodity future is a contract to buy or sell a specific quantity of a physical commodity at a specified price on a particular date in the future.</a:t>
+            </a:r>
+            <a:r>
+              <a:rPr lang="en-US" sz="1500" baseline="30000" dirty="0"/>
+              <a:t>5</a:t>
             </a:r>
           </a:p>
           <a:p>
             <a:pPr lvl="0" algn="l"/>
             <a:r>
               <a:rPr lang="en-US" sz="1500" b="1" dirty="0"/>
-              <a:t>Cocoa bean future contracts in Europe are traded on the London Intercontinental Exchange (</a:t>
-            </a:r>
-            <a:r>
-              <a:rPr lang="en-US" sz="1500" b="1"/>
-              <a:t>ICE).</a:t>
-            </a:r>
-            <a:endParaRPr lang="en-US" sz="1500" b="1" dirty="0"/>
+              <a:t>Cocoa bean future contracts in Europe are traded on the London Intercontinental Exchange (ICE).</a:t>
+            </a:r>
           </a:p>
         </p:txBody>
       </p:sp>
@@ -9978,11 +10150,6 @@
   <p:clrMapOvr>
     <a:masterClrMapping/>
   </p:clrMapOvr>
-  <p:extLst>
-    <p:ext uri="{6950BFC3-D8DA-4A85-94F7-54DA5524770B}">
-      <p188:commentRel xmlns:p188="http://schemas.microsoft.com/office/powerpoint/2018/8/main" r:id="rId2"/>
-    </p:ext>
-  </p:extLst>
 </p:sld>
 </file>
 
@@ -10016,7 +10183,7 @@
           <p:nvPr>
             <p:extLst>
               <p:ext uri="{D42A27DB-BD31-4B8C-83A1-F6EECF244321}">
-                <p14:modId xmlns:p14="http://schemas.microsoft.com/office/powerpoint/2010/main" val="2236847294"/>
+                <p14:modId xmlns:p14="http://schemas.microsoft.com/office/powerpoint/2010/main" val="3725772965"/>
               </p:ext>
             </p:extLst>
           </p:nvPr>
@@ -10198,7 +10365,7 @@
             </a:r>
             <a:r>
               <a:rPr lang="en-US" baseline="30000" dirty="0"/>
-              <a:t>11,12</a:t>
+              <a:t>7,8</a:t>
             </a:r>
           </a:p>
         </p:txBody>
@@ -11017,7 +11184,7 @@
                   <a:schemeClr val="bg1"/>
                 </a:solidFill>
               </a:rPr>
-              <a:t>     Model Estimation</a:t>
+              <a:t>     Model Forecasting</a:t>
             </a:r>
           </a:p>
         </p:txBody>
@@ -12825,15 +12992,62 @@
                   <a:srgbClr val="FFFFFF"/>
                 </a:solidFill>
               </a:rPr>
-              <a:t>Converting from daily to average monthly future prices can potentially remove key information from the time series, </a:t>
-            </a:r>
+              <a:t>The goal of this analysis was to predict the future prices of cocoa beans on the ICE London contract market be forecasted between 2010 &amp; 2019.</a:t>
+            </a:r>
+          </a:p>
+          <a:p>
+            <a:pPr algn="just" rtl="0" eaLnBrk="1" fontAlgn="b" latinLnBrk="0" hangingPunct="1">
+              <a:spcAft>
+                <a:spcPts val="0"/>
+              </a:spcAft>
+            </a:pPr>
             <a:r>
               <a:rPr lang="en-US" sz="2000" dirty="0">
                 <a:solidFill>
-                  <a:srgbClr val="FF0000"/>
+                  <a:srgbClr val="FFFFFF"/>
                 </a:solidFill>
               </a:rPr>
-              <a:t>however aggregation was necessary to conduct the multivariate analysis. </a:t>
+              <a:t>An ARIMA(0,1,0) + GARCH(2,1) model was selected as the best option with </a:t>
+            </a:r>
+            <a:r>
+              <a:rPr lang="en-US" sz="2000" dirty="0"/>
+              <a:t>an in-sample </a:t>
+            </a:r>
+            <a:r>
+              <a:rPr lang="en-US" sz="2000" b="0" i="0" u="none" strike="noStrike" kern="1200" dirty="0">
+                <a:effectLst/>
+              </a:rPr>
+              <a:t>AIC = 3.37</a:t>
+            </a:r>
+            <a:r>
+              <a:rPr lang="en-US" sz="2000" dirty="0"/>
+              <a:t> &amp; </a:t>
+            </a:r>
+            <a:r>
+              <a:rPr lang="en-US" sz="2000" b="0" i="0" u="none" strike="noStrike" kern="1200" dirty="0">
+                <a:effectLst/>
+              </a:rPr>
+              <a:t>SIC = -3.28</a:t>
+            </a:r>
+            <a:r>
+              <a:rPr lang="en-US" sz="2000" dirty="0"/>
+              <a:t> and o</a:t>
+            </a:r>
+            <a:r>
+              <a:rPr lang="pt-BR" sz="2000" b="0" i="0" u="none" strike="noStrike" kern="1200" dirty="0">
+                <a:effectLst/>
+              </a:rPr>
+              <a:t>ut-of-sample RMSE=0.0339</a:t>
+            </a:r>
+            <a:r>
+              <a:rPr lang="en-US" sz="2000" dirty="0"/>
+              <a:t> &amp; </a:t>
+            </a:r>
+            <a:r>
+              <a:rPr lang="pt-BR" sz="2000" b="0" i="0" u="none" strike="noStrike" kern="1200" dirty="0">
+                <a:effectLst/>
+              </a:rPr>
+              <a:t>MAE=0.0274.</a:t>
             </a:r>
           </a:p>
           <a:p>
@@ -12868,8 +13082,26 @@
                   <a:srgbClr val="FFFFFF"/>
                 </a:solidFill>
               </a:rPr>
-              <a:t>13</a:t>
-            </a:r>
+              <a:t>9</a:t>
+            </a:r>
+          </a:p>
+          <a:p>
+            <a:pPr algn="just"/>
+            <a:r>
+              <a:rPr lang="pt-BR" sz="2000" b="0" i="0" u="none" strike="noStrike" dirty="0">
+                <a:effectLst/>
+              </a:rPr>
+              <a:t>Another possibility is </a:t>
+            </a:r>
+            <a:r>
+              <a:rPr lang="pt-BR" sz="2000" dirty="0"/>
+              <a:t>to conduct a multivariate analysis and investigate how import demands, deforestation, and climate change affect future prices.</a:t>
+            </a:r>
+            <a:endParaRPr lang="en-US" sz="2000" dirty="0">
+              <a:solidFill>
+                <a:srgbClr val="FFFFFF"/>
+              </a:solidFill>
+            </a:endParaRPr>
           </a:p>
         </p:txBody>
       </p:sp>
@@ -13588,7 +13820,41 @@
                 <a:ea typeface="+mn-ea"/>
                 <a:cs typeface="+mn-cs"/>
               </a:rPr>
-              <a:t>“Who Exported Cocoa Beans (1801 HS4) in 2018?” The Atlas of Economic Complexity, @Harvardgrwthlab, </a:t>
+              <a:t>Scott, </a:t>
+            </a:r>
+            <a:r>
+              <a:rPr kumimoji="0" lang="en-US" sz="1400" b="0" i="0" u="none" strike="noStrike" kern="1200" cap="none" spc="0" normalizeH="0" baseline="0" noProof="0" dirty="0" err="1">
+                <a:ln>
+                  <a:noFill/>
+                </a:ln>
+                <a:solidFill>
+                  <a:prstClr val="white"/>
+                </a:solidFill>
+                <a:effectLst/>
+                <a:uLnTx/>
+                <a:uFillTx/>
+                <a:latin typeface="Calibri" panose="020F0502020204030204"/>
+                <a:ea typeface="+mn-ea"/>
+                <a:cs typeface="+mn-cs"/>
+              </a:rPr>
+              <a:t>Michon</a:t>
+            </a:r>
+            <a:r>
+              <a:rPr kumimoji="0" lang="en-US" sz="1400" b="0" i="0" u="none" strike="noStrike" kern="1200" cap="none" spc="0" normalizeH="0" baseline="0" noProof="0" dirty="0">
+                <a:ln>
+                  <a:noFill/>
+                </a:ln>
+                <a:solidFill>
+                  <a:prstClr val="white"/>
+                </a:solidFill>
+                <a:effectLst/>
+                <a:uLnTx/>
+                <a:uFillTx/>
+                <a:latin typeface="Calibri" panose="020F0502020204030204"/>
+                <a:ea typeface="+mn-ea"/>
+                <a:cs typeface="+mn-cs"/>
+              </a:rPr>
+              <a:t>. “Climate &amp;amp; Chocolate.” NOAA Climate.gov, 16 Feb. 2016, </a:t>
             </a:r>
             <a:r>
               <a:rPr kumimoji="0" lang="en-US" sz="1400" b="0" i="0" u="none" strike="noStrike" kern="1200" cap="none" spc="0" normalizeH="0" baseline="0" noProof="0" dirty="0">
@@ -13606,7 +13872,16 @@
                 <a:cs typeface="+mn-cs"/>
                 <a:hlinkClick r:id="rId3"/>
               </a:rPr>
-              <a:t>https://atlas.cid.harvard.edu/explore?country=undefined&amp;amp;product=804&amp;amp;year=2018&amp;amp;productClass=HS&amp;amp;target=Product&amp;amp;partner=undefined&amp;amp;startYear=1995</a:t>
+              <a:t>https://www.climate.gov/news-features/climate-and/climate-chocolate</a:t>
+            </a:r>
+            <a:r>
+              <a:rPr lang="en-US" sz="1400" dirty="0">
+                <a:solidFill>
+                  <a:prstClr val="white"/>
+                </a:solidFill>
+                <a:latin typeface="Calibri" panose="020F0502020204030204"/>
+              </a:rPr>
+              <a:t>.</a:t>
             </a:r>
             <a:r>
               <a:rPr kumimoji="0" lang="en-US" sz="1400" b="0" i="0" u="none" strike="noStrike" kern="1200" cap="none" spc="0" normalizeH="0" baseline="0" noProof="0" dirty="0">
@@ -13623,7 +13898,7 @@
                 <a:ea typeface="+mn-ea"/>
                 <a:cs typeface="+mn-cs"/>
               </a:rPr>
-              <a:t>. Accessed 30 October 2020. </a:t>
+              <a:t>  Accessed 5 November 2020.</a:t>
             </a:r>
           </a:p>
           <a:p>
@@ -13659,7 +13934,7 @@
                 <a:ea typeface="+mn-ea"/>
                 <a:cs typeface="+mn-cs"/>
               </a:rPr>
-              <a:t>“Where Did Côte D'Ivoire Export Cocoa Beans (1801 HS4) to in 2018?” The Atlas of Economic Complexity, @Harvardgrwthlab, </a:t>
+              <a:t>“What Is the Demand for Cocoa on the European Market?” Centre for the Promotion of Imports (CBI) Ministry of Foreign Affairs (NL), </a:t>
             </a:r>
             <a:r>
               <a:rPr kumimoji="0" lang="en-US" sz="1400" b="0" i="0" u="none" strike="noStrike" kern="1200" cap="none" spc="0" normalizeH="0" baseline="0" noProof="0" dirty="0">
@@ -13673,11 +13948,35 @@
                 <a:uLnTx/>
                 <a:uFillTx/>
                 <a:latin typeface="Calibri" panose="020F0502020204030204"/>
-                <a:ea typeface="+mn-ea"/>
-                <a:cs typeface="+mn-cs"/>
                 <a:hlinkClick r:id="rId4"/>
               </a:rPr>
-              <a:t>https://atlas.cid.harvard.edu/explore?country=44&amp;amp;product=804&amp;amp;year=2018&amp;amp;productClass=HS&amp;amp;target=Product&amp;amp;partner=undefined&amp;amp;startYear=1995</a:t>
+              <a:t>https://www.cbi.eu/market-information/cocoa/trade-statistics</a:t>
+            </a:r>
+            <a:r>
+              <a:rPr lang="en-US" sz="1400" dirty="0">
+                <a:solidFill>
+                  <a:prstClr val="white"/>
+                </a:solidFill>
+                <a:latin typeface="Calibri" panose="020F0502020204030204"/>
+                <a:hlinkClick r:id="rId4"/>
+              </a:rPr>
+              <a:t>.</a:t>
+            </a:r>
+            <a:r>
+              <a:rPr kumimoji="0" lang="en-US" sz="1400" b="0" i="0" u="none" strike="noStrike" kern="1200" cap="none" spc="0" normalizeH="0" baseline="0" noProof="0" dirty="0">
+                <a:ln>
+                  <a:noFill/>
+                </a:ln>
+                <a:solidFill>
+                  <a:prstClr val="white"/>
+                </a:solidFill>
+                <a:effectLst/>
+                <a:uLnTx/>
+                <a:uFillTx/>
+                <a:latin typeface="Calibri" panose="020F0502020204030204"/>
+                <a:hlinkClick r:id="rId4"/>
+              </a:rPr>
+              <a:t> Accessed 30 October 2020</a:t>
             </a:r>
             <a:r>
               <a:rPr kumimoji="0" lang="en-US" sz="1400" b="0" i="0" u="none" strike="noStrike" kern="1200" cap="none" spc="0" normalizeH="0" baseline="0" noProof="0" dirty="0">
@@ -13694,7 +13993,7 @@
                 <a:ea typeface="+mn-ea"/>
                 <a:cs typeface="+mn-cs"/>
               </a:rPr>
-              <a:t>. Accessed 30 October 2020.</a:t>
+              <a:t>.</a:t>
             </a:r>
           </a:p>
           <a:p>
@@ -13730,7 +14029,7 @@
                 <a:ea typeface="+mn-ea"/>
                 <a:cs typeface="+mn-cs"/>
               </a:rPr>
-              <a:t>“What Is the Demand for Cocoa on the European Market?” Centre for the Promotion of Imports (CBI) Ministry of Foreign Affairs (NL), </a:t>
+              <a:t>“Where Did Côte D'Ivoire Export Cocoa Beans (1801 HS4) to in 2018?” The Atlas of Economic Complexity, @Harvardgrwthlab, </a:t>
             </a:r>
             <a:r>
               <a:rPr kumimoji="0" lang="en-US" sz="1400" b="0" i="0" u="none" strike="noStrike" kern="1200" cap="none" spc="0" normalizeH="0" baseline="0" noProof="0" dirty="0">
@@ -13748,7 +14047,16 @@
                 <a:cs typeface="+mn-cs"/>
                 <a:hlinkClick r:id="rId5"/>
               </a:rPr>
-              <a:t>https://www.cbi.eu/market-information/cocoa/trade-statistics</a:t>
+              <a:t>https://atlas.cid.harvard.edu/explore?country=44&amp;amp;product=804&amp;amp;year=2018&amp;amp;productClass=HS&amp;amp;target=Product&amp;amp;partner=undefined&amp;amp;startYear=1995</a:t>
+            </a:r>
+            <a:r>
+              <a:rPr lang="en-US" sz="1400" dirty="0">
+                <a:solidFill>
+                  <a:prstClr val="white"/>
+                </a:solidFill>
+                <a:latin typeface="Calibri" panose="020F0502020204030204"/>
+              </a:rPr>
+              <a:t>.</a:t>
             </a:r>
             <a:r>
               <a:rPr kumimoji="0" lang="en-US" sz="1400" b="0" i="0" u="none" strike="noStrike" kern="1200" cap="none" spc="0" normalizeH="0" baseline="0" noProof="0" dirty="0">
@@ -13765,7 +14073,7 @@
                 <a:ea typeface="+mn-ea"/>
                 <a:cs typeface="+mn-cs"/>
               </a:rPr>
-              <a:t>. Accessed 30 October 2020.</a:t>
+              <a:t> Accessed 30 October 2020.</a:t>
             </a:r>
           </a:p>
           <a:p>
@@ -13801,41 +14109,7 @@
                 <a:ea typeface="+mn-ea"/>
                 <a:cs typeface="+mn-cs"/>
               </a:rPr>
-              <a:t>Scott, </a:t>
-            </a:r>
-            <a:r>
-              <a:rPr kumimoji="0" lang="en-US" sz="1400" b="0" i="0" u="none" strike="noStrike" kern="1200" cap="none" spc="0" normalizeH="0" baseline="0" noProof="0" dirty="0" err="1">
-                <a:ln>
-                  <a:noFill/>
-                </a:ln>
-                <a:solidFill>
-                  <a:prstClr val="white"/>
-                </a:solidFill>
-                <a:effectLst/>
-                <a:uLnTx/>
-                <a:uFillTx/>
-                <a:latin typeface="Calibri" panose="020F0502020204030204"/>
-                <a:ea typeface="+mn-ea"/>
-                <a:cs typeface="+mn-cs"/>
-              </a:rPr>
-              <a:t>Michon</a:t>
-            </a:r>
-            <a:r>
-              <a:rPr kumimoji="0" lang="en-US" sz="1400" b="0" i="0" u="none" strike="noStrike" kern="1200" cap="none" spc="0" normalizeH="0" baseline="0" noProof="0" dirty="0">
-                <a:ln>
-                  <a:noFill/>
-                </a:ln>
-                <a:solidFill>
-                  <a:prstClr val="white"/>
-                </a:solidFill>
-                <a:effectLst/>
-                <a:uLnTx/>
-                <a:uFillTx/>
-                <a:latin typeface="Calibri" panose="020F0502020204030204"/>
-                <a:ea typeface="+mn-ea"/>
-                <a:cs typeface="+mn-cs"/>
-              </a:rPr>
-              <a:t>. “Climate &amp;amp; Chocolate.” NOAA Climate.gov, 16 Feb. 2016, </a:t>
+              <a:t>“Who Exported Cocoa Beans (1801 HS4) in 2018?” The Atlas of Economic Complexity, @Harvardgrwthlab, </a:t>
             </a:r>
             <a:r>
               <a:rPr kumimoji="0" lang="en-US" sz="1400" b="0" i="0" u="none" strike="noStrike" kern="1200" cap="none" spc="0" normalizeH="0" baseline="0" noProof="0" dirty="0">
@@ -13853,7 +14127,16 @@
                 <a:cs typeface="+mn-cs"/>
                 <a:hlinkClick r:id="rId6"/>
               </a:rPr>
-              <a:t>https://www.climate.gov/news-features/climate-and/climate-chocolate</a:t>
+              <a:t>https://atlas.cid.harvard.edu/explore?country=undefined&amp;amp;product=804&amp;amp;year=2018&amp;amp;productClass=HS&amp;amp;target=Product&amp;amp;partner=undefined&amp;amp;startYear=1995</a:t>
+            </a:r>
+            <a:r>
+              <a:rPr lang="en-US" sz="1400" dirty="0">
+                <a:solidFill>
+                  <a:prstClr val="white"/>
+                </a:solidFill>
+                <a:latin typeface="Calibri" panose="020F0502020204030204"/>
+              </a:rPr>
+              <a:t>.</a:t>
             </a:r>
             <a:r>
               <a:rPr kumimoji="0" lang="en-US" sz="1400" b="0" i="0" u="none" strike="noStrike" kern="1200" cap="none" spc="0" normalizeH="0" baseline="0" noProof="0" dirty="0">
@@ -13870,7 +14153,7 @@
                 <a:ea typeface="+mn-ea"/>
                 <a:cs typeface="+mn-cs"/>
               </a:rPr>
-              <a:t>. Accessed 5 November 2020.</a:t>
+              <a:t> Accessed 30 October 2020.</a:t>
             </a:r>
           </a:p>
           <a:p>
@@ -13906,7 +14189,7 @@
                 <a:ea typeface="+mn-ea"/>
                 <a:cs typeface="+mn-cs"/>
               </a:rPr>
-              <a:t>“ICCO Statistics: Cocoa Daily Prices.” International Cocoa Organization, </a:t>
+              <a:t>“Basics of Futures Trading.” Commodity Futures Trading Commission (CFTC), </a:t>
             </a:r>
             <a:r>
               <a:rPr kumimoji="0" lang="en-US" sz="1400" b="0" i="0" u="none" strike="noStrike" kern="1200" cap="none" spc="0" normalizeH="0" baseline="0" noProof="0" dirty="0">
@@ -13924,7 +14207,16 @@
                 <a:cs typeface="+mn-cs"/>
                 <a:hlinkClick r:id="rId7"/>
               </a:rPr>
-              <a:t>https://www.icco.org/statistics/</a:t>
+              <a:t>https://www.cftc.gov/LearnAndProtect/AdvisoriesAndArticles/FuturesMarketBasics/index.htm</a:t>
+            </a:r>
+            <a:r>
+              <a:rPr lang="en-US" sz="1400" dirty="0">
+                <a:solidFill>
+                  <a:prstClr val="white"/>
+                </a:solidFill>
+                <a:latin typeface="Calibri" panose="020F0502020204030204"/>
+              </a:rPr>
+              <a:t>.</a:t>
             </a:r>
             <a:r>
               <a:rPr kumimoji="0" lang="en-US" sz="1400" b="0" i="0" u="none" strike="noStrike" kern="1200" cap="none" spc="0" normalizeH="0" baseline="0" noProof="0" dirty="0">
@@ -13941,7 +14233,7 @@
                 <a:ea typeface="+mn-ea"/>
                 <a:cs typeface="+mn-cs"/>
               </a:rPr>
-              <a:t>. Accessed 30 October 2020.</a:t>
+              <a:t> Accessed 30 October 2020. </a:t>
             </a:r>
           </a:p>
           <a:p>
@@ -13977,7 +14269,7 @@
                 <a:ea typeface="+mn-ea"/>
                 <a:cs typeface="+mn-cs"/>
               </a:rPr>
-              <a:t>Cocks, Tim. “Foreign Banks Suspend Ivory Coast Operations.” Reuters, Thomson Reuters, 17 Feb. 2011, </a:t>
+              <a:t>“ICCO Statistics: Cocoa Daily Prices.” International Cocoa Organization, </a:t>
             </a:r>
             <a:r>
               <a:rPr kumimoji="0" lang="en-US" sz="1400" b="0" i="0" u="none" strike="noStrike" kern="1200" cap="none" spc="0" normalizeH="0" baseline="0" noProof="0" dirty="0">
@@ -13995,7 +14287,16 @@
                 <a:cs typeface="+mn-cs"/>
                 <a:hlinkClick r:id="rId8"/>
               </a:rPr>
-              <a:t>https://www.reuters.com/article/us-ivorycoast-socgen/foreign-banks-suspend-ivory-coast-operations-idUSTRE71G09920110217</a:t>
+              <a:t>https://www.icco.org/statistics/</a:t>
+            </a:r>
+            <a:r>
+              <a:rPr lang="en-US" sz="1400" dirty="0">
+                <a:solidFill>
+                  <a:prstClr val="white"/>
+                </a:solidFill>
+                <a:latin typeface="Calibri" panose="020F0502020204030204"/>
+              </a:rPr>
+              <a:t>.</a:t>
             </a:r>
             <a:r>
               <a:rPr kumimoji="0" lang="en-US" sz="1400" b="0" i="0" u="none" strike="noStrike" kern="1200" cap="none" spc="0" normalizeH="0" baseline="0" noProof="0" dirty="0">
@@ -14012,7 +14313,7 @@
                 <a:ea typeface="+mn-ea"/>
                 <a:cs typeface="+mn-cs"/>
               </a:rPr>
-              <a:t>. </a:t>
+              <a:t> Accessed 30 October 2020.</a:t>
             </a:r>
           </a:p>
           <a:p>
@@ -14047,24 +14348,53 @@
                 <a:latin typeface="Calibri" panose="020F0502020204030204"/>
                 <a:ea typeface="+mn-ea"/>
                 <a:cs typeface="+mn-cs"/>
+              </a:rPr>
+              <a:t>Cocks, Tim. “Foreign Banks Suspend Ivory Coast Operations.” Reuters, Thomson Reuters, 17 Feb. 2011, </a:t>
+            </a:r>
+            <a:r>
+              <a:rPr kumimoji="0" lang="en-US" sz="1400" b="0" i="0" u="none" strike="noStrike" kern="1200" cap="none" spc="0" normalizeH="0" baseline="0" noProof="0" dirty="0">
+                <a:ln>
+                  <a:noFill/>
+                </a:ln>
+                <a:solidFill>
+                  <a:prstClr val="white"/>
+                </a:solidFill>
+                <a:effectLst/>
+                <a:uLnTx/>
+                <a:uFillTx/>
+                <a:latin typeface="Calibri" panose="020F0502020204030204"/>
+                <a:ea typeface="+mn-ea"/>
+                <a:cs typeface="+mn-cs"/>
                 <a:hlinkClick r:id="rId9"/>
               </a:rPr>
-              <a:t>https://fr.reuters.com/article/ozabs-uk-cocoa-ivorycoast-grinders-idAFKBN1</a:t>
-            </a:r>
-            <a:endParaRPr kumimoji="0" lang="en-US" sz="1400" b="0" i="0" u="none" strike="noStrike" kern="1200" cap="none" spc="0" normalizeH="0" baseline="0" noProof="0" dirty="0">
-              <a:ln>
-                <a:noFill/>
-              </a:ln>
-              <a:solidFill>
-                <a:prstClr val="white"/>
-              </a:solidFill>
-              <a:effectLst/>
-              <a:uLnTx/>
-              <a:uFillTx/>
-              <a:latin typeface="Calibri" panose="020F0502020204030204"/>
-              <a:ea typeface="+mn-ea"/>
-              <a:cs typeface="+mn-cs"/>
-            </a:endParaRPr>
+              <a:t>https://www.reuters.com/article/us-ivorycoast-socgen/foreign-banks-suspend-ivory-coast-operations-idUSTRE71G099201102112</a:t>
+            </a:r>
+            <a:r>
+              <a:rPr lang="en-US" sz="1400" dirty="0">
+                <a:solidFill>
+                  <a:prstClr val="white"/>
+                </a:solidFill>
+                <a:latin typeface="Calibri" panose="020F0502020204030204"/>
+              </a:rPr>
+              <a:t>.</a:t>
+            </a:r>
+            <a:r>
+              <a:rPr kumimoji="0" lang="en-US" sz="1400" b="0" i="0" u="none" strike="noStrike" kern="1200" cap="none" spc="0" normalizeH="0" baseline="0" noProof="0" dirty="0">
+                <a:ln>
+                  <a:noFill/>
+                </a:ln>
+                <a:solidFill>
+                  <a:prstClr val="white"/>
+                </a:solidFill>
+                <a:effectLst/>
+                <a:uLnTx/>
+                <a:uFillTx/>
+                <a:latin typeface="Calibri" panose="020F0502020204030204"/>
+                <a:ea typeface="+mn-ea"/>
+                <a:cs typeface="+mn-cs"/>
+              </a:rPr>
+              <a:t> </a:t>
+            </a:r>
           </a:p>
           <a:p>
             <a:pPr marL="514350" marR="0" lvl="0" indent="-514350" algn="l" defTabSz="914400" rtl="0" eaLnBrk="1" fontAlgn="auto" latinLnBrk="0" hangingPunct="1">
@@ -14085,6 +14415,60 @@
               <a:defRPr/>
             </a:pPr>
             <a:r>
+              <a:rPr kumimoji="0" lang="en-US" sz="1400" b="0" i="0" u="none" strike="noStrike" kern="1200" cap="none" spc="0" normalizeH="0" baseline="0" noProof="0" dirty="0">
+                <a:ln>
+                  <a:noFill/>
+                </a:ln>
+                <a:solidFill>
+                  <a:prstClr val="white"/>
+                </a:solidFill>
+                <a:effectLst/>
+                <a:uLnTx/>
+                <a:uFillTx/>
+                <a:latin typeface="Calibri" panose="020F0502020204030204"/>
+                <a:ea typeface="+mn-ea"/>
+                <a:cs typeface="+mn-cs"/>
+                <a:hlinkClick r:id="rId10"/>
+              </a:rPr>
+              <a:t>https://fr.reuters.com/article/ozabs-uk-cocoa-ivorycoast-grinders-idAFKBN1</a:t>
+            </a:r>
+            <a:r>
+              <a:rPr kumimoji="0" lang="en-US" sz="1400" b="0" i="0" u="none" strike="noStrike" kern="1200" cap="none" spc="0" normalizeH="0" baseline="0" noProof="0" dirty="0">
+                <a:ln>
+                  <a:noFill/>
+                </a:ln>
+                <a:solidFill>
+                  <a:prstClr val="white"/>
+                </a:solidFill>
+                <a:effectLst/>
+                <a:uLnTx/>
+                <a:uFillTx/>
+                <a:latin typeface="Calibri" panose="020F0502020204030204"/>
+                <a:ea typeface="+mn-ea"/>
+                <a:cs typeface="+mn-cs"/>
+              </a:rPr>
+              <a:t> </a:t>
+            </a:r>
+          </a:p>
+          <a:p>
+            <a:pPr marL="514350" marR="0" lvl="0" indent="-514350" algn="l" defTabSz="914400" rtl="0" eaLnBrk="1" fontAlgn="auto" latinLnBrk="0" hangingPunct="1">
+              <a:lnSpc>
+                <a:spcPct val="90000"/>
+              </a:lnSpc>
+              <a:spcBef>
+                <a:spcPts val="1000"/>
+              </a:spcBef>
+              <a:spcAft>
+                <a:spcPts val="0"/>
+              </a:spcAft>
+              <a:buClrTx/>
+              <a:buSzTx/>
+              <a:buFont typeface="+mj-lt"/>
+              <a:buAutoNum type="arabicPeriod"/>
+              <a:tabLst/>
+              <a:defRPr/>
+            </a:pPr>
+            <a:r>
               <a:rPr kumimoji="0" lang="en-US" sz="1400" b="0" i="0" u="none" strike="noStrike" kern="1200" cap="none" spc="0" normalizeH="0" baseline="0" noProof="0" dirty="0" err="1">
                 <a:ln>
                   <a:noFill/>
@@ -14186,6 +14570,39 @@
               </a:rPr>
               <a:t> Wu (2019) Agricultural commodity futures prices prediction via long- and short-term time series network, Journal of Applied Economics, 22:1, 468-483, DOI: 10.1080/15140326.2019.1668664 </a:t>
             </a:r>
+          </a:p>
+          <a:p>
+            <a:pPr marL="514350" marR="0" lvl="0" indent="-514350" algn="l" defTabSz="914400" rtl="0" eaLnBrk="1" fontAlgn="auto" latinLnBrk="0" hangingPunct="1">
+              <a:lnSpc>
+                <a:spcPct val="90000"/>
+              </a:lnSpc>
+              <a:spcBef>
+                <a:spcPts val="1000"/>
+              </a:spcBef>
+              <a:spcAft>
+                <a:spcPts val="0"/>
+              </a:spcAft>
+              <a:buClrTx/>
+              <a:buSzTx/>
+              <a:buFont typeface="+mj-lt"/>
+              <a:buAutoNum type="arabicPeriod"/>
+              <a:tabLst/>
+              <a:defRPr/>
+            </a:pPr>
+            <a:endParaRPr kumimoji="0" lang="en-US" sz="1400" b="0" i="0" u="none" strike="noStrike" kern="1200" cap="none" spc="0" normalizeH="0" baseline="0" noProof="0" dirty="0">
+              <a:ln>
+                <a:noFill/>
+              </a:ln>
+              <a:solidFill>
+                <a:prstClr val="white"/>
+              </a:solidFill>
+              <a:effectLst/>
+              <a:uLnTx/>
+              <a:uFillTx/>
+              <a:latin typeface="Calibri" panose="020F0502020204030204"/>
+              <a:ea typeface="+mn-ea"/>
+              <a:cs typeface="+mn-cs"/>
+            </a:endParaRPr>
           </a:p>
         </p:txBody>
       </p:sp>
@@ -14538,4 +14955,299 @@
     </a:ext>
   </a:extLst>
 </a:theme>
+</file>
+
+<file path=ppt/theme/theme2.xml><?xml version="1.0" encoding="utf-8"?>
+<a:theme xmlns:a="http://schemas.openxmlformats.org/drawingml/2006/main" name="Office Theme">
+  <a:themeElements>
+    <a:clrScheme name="Office">
+      <a:dk1>
+        <a:sysClr val="windowText" lastClr="000000"/>
+      </a:dk1>
+      <a:lt1>
+        <a:sysClr val="window" lastClr="FFFFFF"/>
+      </a:lt1>
+      <a:dk2>
+        <a:srgbClr val="44546A"/>
+      </a:dk2>
+      <a:lt2>
+        <a:srgbClr val="E7E6E6"/>
+      </a:lt2>
+      <a:accent1>
+        <a:srgbClr val="4472C4"/>
+      </a:accent1>
+      <a:accent2>
+        <a:srgbClr val="ED7D31"/>
+      </a:accent2>
+      <a:accent3>
+        <a:srgbClr val="A5A5A5"/>
+      </a:accent3>
+      <a:accent4>
+        <a:srgbClr val="FFC000"/>
+      </a:accent4>
+      <a:accent5>
+        <a:srgbClr val="5B9BD5"/>
+      </a:accent5>
+      <a:accent6>
+        <a:srgbClr val="70AD47"/>
+      </a:accent6>
+      <a:hlink>
+        <a:srgbClr val="0563C1"/>
+      </a:hlink>
+      <a:folHlink>
+        <a:srgbClr val="954F72"/>
+      </a:folHlink>
+    </a:clrScheme>
+    <a:fontScheme name="Office">
+      <a:majorFont>
+        <a:latin typeface="Calibri Light" panose="020F0302020204030204"/>
+        <a:ea typeface=""/>
+        <a:cs typeface=""/>
+        <a:font script="Jpan" typeface="游ゴシック Light"/>
+        <a:font script="Hang" typeface="맑은 고딕"/>
+        <a:font script="Hans" typeface="等线 Light"/>
+        <a:font script="Hant" typeface="新細明體"/>
+        <a:font script="Arab" typeface="Times New Roman"/>
+        <a:font script="Hebr" typeface="Times New Roman"/>
+        <a:font script="Thai" typeface="Angsana New"/>
+        <a:font script="Ethi" typeface="Nyala"/>
+        <a:font script="Beng" typeface="Vrinda"/>
+        <a:font script="Gujr" typeface="Shruti"/>
+        <a:font script="Khmr" typeface="MoolBoran"/>
+        <a:font script="Knda" typeface="Tunga"/>
+        <a:font script="Guru" typeface="Raavi"/>
+        <a:font script="Cans" typeface="Euphemia"/>
+        <a:font script="Cher" typeface="Plantagenet Cherokee"/>
+        <a:font script="Yiii" typeface="Microsoft Yi Baiti"/>
+        <a:font script="Tibt" typeface="Microsoft Himalaya"/>
+        <a:font script="Thaa" typeface="MV Boli"/>
+        <a:font script="Deva" typeface="Mangal"/>
+        <a:font script="Telu" typeface="Gautami"/>
+        <a:font script="Taml" typeface="Latha"/>
+        <a:font script="Syrc" typeface="Estrangelo Edessa"/>
+        <a:font script="Orya" typeface="Kalinga"/>
+        <a:font script="Mlym" typeface="Kartika"/>
+        <a:font script="Laoo" typeface="DokChampa"/>
+        <a:font script="Sinh" typeface="Iskoola Pota"/>
+        <a:font script="Mong" typeface="Mongolian Baiti"/>
+        <a:font script="Viet" typeface="Times New Roman"/>
+        <a:font script="Uigh" typeface="Microsoft Uighur"/>
+        <a:font script="Geor" typeface="Sylfaen"/>
+        <a:font script="Armn" typeface="Arial"/>
+        <a:font script="Bugi" typeface="Leelawadee UI"/>
+        <a:font script="Bopo" typeface="Microsoft JhengHei"/>
+        <a:font script="Java" typeface="Javanese Text"/>
+        <a:font script="Lisu" typeface="Segoe UI"/>
+        <a:font script="Mymr" typeface="Myanmar Text"/>
+        <a:font script="Nkoo" typeface="Ebrima"/>
+        <a:font script="Olck" typeface="Nirmala UI"/>
+        <a:font script="Osma" typeface="Ebrima"/>
+        <a:font script="Phag" typeface="Phagspa"/>
+        <a:font script="Syrn" typeface="Estrangelo Edessa"/>
+        <a:font script="Syrj" typeface="Estrangelo Edessa"/>
+        <a:font script="Syre" typeface="Estrangelo Edessa"/>
+        <a:font script="Sora" typeface="Nirmala UI"/>
+        <a:font script="Tale" typeface="Microsoft Tai Le"/>
+        <a:font script="Talu" typeface="Microsoft New Tai Lue"/>
+        <a:font script="Tfng" typeface="Ebrima"/>
+      </a:majorFont>
+      <a:minorFont>
+        <a:latin typeface="Calibri" panose="020F0502020204030204"/>
+        <a:ea typeface=""/>
+        <a:cs typeface=""/>
+        <a:font script="Jpan" typeface="游ゴシック"/>
+        <a:font script="Hang" typeface="맑은 고딕"/>
+        <a:font script="Hans" typeface="等线"/>
+        <a:font script="Hant" typeface="新細明體"/>
+        <a:font script="Arab" typeface="Arial"/>
+        <a:font script="Hebr" typeface="Arial"/>
+        <a:font script="Thai" typeface="Cordia New"/>
+        <a:font script="Ethi" typeface="Nyala"/>
+        <a:font script="Beng" typeface="Vrinda"/>
+        <a:font script="Gujr" typeface="Shruti"/>
+        <a:font script="Khmr" typeface="DaunPenh"/>
+        <a:font script="Knda" typeface="Tunga"/>
+        <a:font script="Guru" typeface="Raavi"/>
+        <a:font script="Cans" typeface="Euphemia"/>
+        <a:font script="Cher" typeface="Plantagenet Cherokee"/>
+        <a:font script="Yiii" typeface="Microsoft Yi Baiti"/>
+        <a:font script="Tibt" typeface="Microsoft Himalaya"/>
+        <a:font script="Thaa" typeface="MV Boli"/>
+        <a:font script="Deva" typeface="Mangal"/>
+        <a:font script="Telu" typeface="Gautami"/>
+        <a:font script="Taml" typeface="Latha"/>
+        <a:font script="Syrc" typeface="Estrangelo Edessa"/>
+        <a:font script="Orya" typeface="Kalinga"/>
+        <a:font script="Mlym" typeface="Kartika"/>
+        <a:font script="Laoo" typeface="DokChampa"/>
+        <a:font script="Sinh" typeface="Iskoola Pota"/>
+        <a:font script="Mong" typeface="Mongolian Baiti"/>
+        <a:font script="Viet" typeface="Arial"/>
+        <a:font script="Uigh" typeface="Microsoft Uighur"/>
+        <a:font script="Geor" typeface="Sylfaen"/>
+        <a:font script="Armn" typeface="Arial"/>
+        <a:font script="Bugi" typeface="Leelawadee UI"/>
+        <a:font script="Bopo" typeface="Microsoft JhengHei"/>
+        <a:font script="Java" typeface="Javanese Text"/>
+        <a:font script="Lisu" typeface="Segoe UI"/>
+        <a:font script="Mymr" typeface="Myanmar Text"/>
+        <a:font script="Nkoo" typeface="Ebrima"/>
+        <a:font script="Olck" typeface="Nirmala UI"/>
+        <a:font script="Osma" typeface="Ebrima"/>
+        <a:font script="Phag" typeface="Phagspa"/>
+        <a:font script="Syrn" typeface="Estrangelo Edessa"/>
+        <a:font script="Syrj" typeface="Estrangelo Edessa"/>
+        <a:font script="Syre" typeface="Estrangelo Edessa"/>
+        <a:font script="Sora" typeface="Nirmala UI"/>
+        <a:font script="Tale" typeface="Microsoft Tai Le"/>
+        <a:font script="Talu" typeface="Microsoft New Tai Lue"/>
+        <a:font script="Tfng" typeface="Ebrima"/>
+      </a:minorFont>
+    </a:fontScheme>
+    <a:fmtScheme name="Office">
+      <a:fillStyleLst>
+        <a:solidFill>
+          <a:schemeClr val="phClr"/>
+        </a:solidFill>
+        <a:gradFill rotWithShape="1">
+          <a:gsLst>
+            <a:gs pos="0">
+              <a:schemeClr val="phClr">
+                <a:lumMod val="110000"/>
+                <a:satMod val="105000"/>
+                <a:tint val="67000"/>
+              </a:schemeClr>
+            </a:gs>
+            <a:gs pos="50000">
+              <a:schemeClr val="phClr">
+                <a:lumMod val="105000"/>
+                <a:satMod val="103000"/>
+                <a:tint val="73000"/>
+              </a:schemeClr>
+            </a:gs>
+            <a:gs pos="100000">
+              <a:schemeClr val="phClr">
+                <a:lumMod val="105000"/>
+                <a:satMod val="109000"/>
+                <a:tint val="81000"/>
+              </a:schemeClr>
+            </a:gs>
+          </a:gsLst>
+          <a:lin ang="5400000" scaled="0"/>
+        </a:gradFill>
+        <a:gradFill rotWithShape="1">
+          <a:gsLst>
+            <a:gs pos="0">
+              <a:schemeClr val="phClr">
+                <a:satMod val="103000"/>
+                <a:lumMod val="102000"/>
+                <a:tint val="94000"/>
+              </a:schemeClr>
+            </a:gs>
+            <a:gs pos="50000">
+              <a:schemeClr val="phClr">
+                <a:satMod val="110000"/>
+                <a:lumMod val="100000"/>
+                <a:shade val="100000"/>
+              </a:schemeClr>
+            </a:gs>
+            <a:gs pos="100000">
+              <a:schemeClr val="phClr">
+                <a:lumMod val="99000"/>
+                <a:satMod val="120000"/>
+                <a:shade val="78000"/>
+              </a:schemeClr>
+            </a:gs>
+          </a:gsLst>
+          <a:lin ang="5400000" scaled="0"/>
+        </a:gradFill>
+      </a:fillStyleLst>
+      <a:lnStyleLst>
+        <a:ln w="6350" cap="flat" cmpd="sng" algn="ctr">
+          <a:solidFill>
+            <a:schemeClr val="phClr"/>
+          </a:solidFill>
+          <a:prstDash val="solid"/>
+          <a:miter lim="800000"/>
+        </a:ln>
+        <a:ln w="12700" cap="flat" cmpd="sng" algn="ctr">
+          <a:solidFill>
+            <a:schemeClr val="phClr"/>
+          </a:solidFill>
+          <a:prstDash val="solid"/>
+          <a:miter lim="800000"/>
+        </a:ln>
+        <a:ln w="19050" cap="flat" cmpd="sng" algn="ctr">
+          <a:solidFill>
+            <a:schemeClr val="phClr"/>
+          </a:solidFill>
+          <a:prstDash val="solid"/>
+          <a:miter lim="800000"/>
+        </a:ln>
+      </a:lnStyleLst>
+      <a:effectStyleLst>
+        <a:effectStyle>
+          <a:effectLst/>
+        </a:effectStyle>
+        <a:effectStyle>
+          <a:effectLst/>
+        </a:effectStyle>
+        <a:effectStyle>
+          <a:effectLst>
+            <a:outerShdw blurRad="57150" dist="19050" dir="5400000" algn="ctr" rotWithShape="0">
+              <a:srgbClr val="000000">
+                <a:alpha val="63000"/>
+              </a:srgbClr>
+            </a:outerShdw>
+          </a:effectLst>
+        </a:effectStyle>
+      </a:effectStyleLst>
+      <a:bgFillStyleLst>
+        <a:solidFill>
+          <a:schemeClr val="phClr"/>
+        </a:solidFill>
+        <a:solidFill>
+          <a:schemeClr val="phClr">
+            <a:tint val="95000"/>
+            <a:satMod val="170000"/>
+          </a:schemeClr>
+        </a:solidFill>
+        <a:gradFill rotWithShape="1">
+          <a:gsLst>
+            <a:gs pos="0">
+              <a:schemeClr val="phClr">
+                <a:tint val="93000"/>
+                <a:satMod val="150000"/>
+                <a:shade val="98000"/>
+                <a:lumMod val="102000"/>
+              </a:schemeClr>
+            </a:gs>
+            <a:gs pos="50000">
+              <a:schemeClr val="phClr">
+                <a:tint val="98000"/>
+                <a:satMod val="130000"/>
+                <a:shade val="90000"/>
+                <a:lumMod val="103000"/>
+              </a:schemeClr>
+            </a:gs>
+            <a:gs pos="100000">
+              <a:schemeClr val="phClr">
+                <a:shade val="63000"/>
+                <a:satMod val="120000"/>
+              </a:schemeClr>
+            </a:gs>
+          </a:gsLst>
+          <a:lin ang="5400000" scaled="0"/>
+        </a:gradFill>
+      </a:bgFillStyleLst>
+    </a:fmtScheme>
+  </a:themeElements>
+  <a:objectDefaults/>
+  <a:extraClrSchemeLst/>
+  <a:extLst>
+    <a:ext uri="{05A4C25C-085E-4340-85A3-A5531E510DB2}">
+      <thm15:themeFamily xmlns:thm15="http://schemas.microsoft.com/office/thememl/2012/main" name="Office Theme" id="{62F939B6-93AF-4DB8-9C6B-D6C7DFDC589F}" vid="{4A3C46E8-61CC-4603-A589-7422A47A8E4A}"/>
+    </a:ext>
+  </a:extLst>
+</a:theme>
 </file>